--- a/.lessons (az)/46 Test IT/1 TestIT.pptx
+++ b/.lessons (az)/46 Test IT/1 TestIT.pptx
@@ -8,26 +8,26 @@
     <p:notesMasterId r:id="rId23"/>
   </p:notesMasterIdLst>
   <p:sldIdLst>
-    <p:sldId id="464" r:id="rId2"/>
-    <p:sldId id="466" r:id="rId3"/>
-    <p:sldId id="467" r:id="rId4"/>
-    <p:sldId id="468" r:id="rId5"/>
-    <p:sldId id="469" r:id="rId6"/>
-    <p:sldId id="470" r:id="rId7"/>
-    <p:sldId id="471" r:id="rId8"/>
-    <p:sldId id="472" r:id="rId9"/>
-    <p:sldId id="473" r:id="rId10"/>
-    <p:sldId id="474" r:id="rId11"/>
-    <p:sldId id="475" r:id="rId12"/>
-    <p:sldId id="476" r:id="rId13"/>
-    <p:sldId id="477" r:id="rId14"/>
-    <p:sldId id="478" r:id="rId15"/>
-    <p:sldId id="479" r:id="rId16"/>
-    <p:sldId id="480" r:id="rId17"/>
-    <p:sldId id="481" r:id="rId18"/>
-    <p:sldId id="482" r:id="rId19"/>
-    <p:sldId id="483" r:id="rId20"/>
-    <p:sldId id="484" r:id="rId21"/>
+    <p:sldId id="484" r:id="rId2"/>
+    <p:sldId id="464" r:id="rId3"/>
+    <p:sldId id="466" r:id="rId4"/>
+    <p:sldId id="467" r:id="rId5"/>
+    <p:sldId id="468" r:id="rId6"/>
+    <p:sldId id="469" r:id="rId7"/>
+    <p:sldId id="470" r:id="rId8"/>
+    <p:sldId id="471" r:id="rId9"/>
+    <p:sldId id="472" r:id="rId10"/>
+    <p:sldId id="473" r:id="rId11"/>
+    <p:sldId id="474" r:id="rId12"/>
+    <p:sldId id="475" r:id="rId13"/>
+    <p:sldId id="476" r:id="rId14"/>
+    <p:sldId id="477" r:id="rId15"/>
+    <p:sldId id="478" r:id="rId16"/>
+    <p:sldId id="479" r:id="rId17"/>
+    <p:sldId id="480" r:id="rId18"/>
+    <p:sldId id="481" r:id="rId19"/>
+    <p:sldId id="482" r:id="rId20"/>
+    <p:sldId id="483" r:id="rId21"/>
     <p:sldId id="465" r:id="rId22"/>
   </p:sldIdLst>
   <p:sldSz cx="12192000" cy="6858000"/>
@@ -492,7 +492,7 @@
         <p:cNvPr id="1" name="">
           <a:extLst>
             <a:ext uri="{FF2B5EF4-FFF2-40B4-BE49-F238E27FC236}">
-              <a16:creationId xmlns:a16="http://schemas.microsoft.com/office/drawing/2014/main" id="{B9E28B38-34C7-B2D4-708B-50EE39196A09}"/>
+              <a16:creationId xmlns:a16="http://schemas.microsoft.com/office/drawing/2014/main" id="{C179B3BF-D2D5-817F-050E-59E9991437D8}"/>
             </a:ext>
           </a:extLst>
         </p:cNvPr>
@@ -512,7 +512,7 @@
           <p:cNvPr id="2" name="Slide Image Placeholder 1">
             <a:extLst>
               <a:ext uri="{FF2B5EF4-FFF2-40B4-BE49-F238E27FC236}">
-                <a16:creationId xmlns:a16="http://schemas.microsoft.com/office/drawing/2014/main" id="{29CEDD22-CB33-FF24-D5E3-537128D20D34}"/>
+                <a16:creationId xmlns:a16="http://schemas.microsoft.com/office/drawing/2014/main" id="{866DCA6F-F26D-2F5A-810E-8E4C2B5DDCBB}"/>
               </a:ext>
             </a:extLst>
           </p:cNvPr>
@@ -530,7 +530,7 @@
           <p:cNvPr id="3" name="Notes Placeholder 2">
             <a:extLst>
               <a:ext uri="{FF2B5EF4-FFF2-40B4-BE49-F238E27FC236}">
-                <a16:creationId xmlns:a16="http://schemas.microsoft.com/office/drawing/2014/main" id="{665A0762-C2BF-EEE0-11A9-60394DDA8769}"/>
+                <a16:creationId xmlns:a16="http://schemas.microsoft.com/office/drawing/2014/main" id="{56772DEC-FB7F-E974-AE52-F1DAAA8F3856}"/>
               </a:ext>
             </a:extLst>
           </p:cNvPr>
@@ -555,7 +555,7 @@
           <p:cNvPr id="4" name="Slide Number Placeholder 3">
             <a:extLst>
               <a:ext uri="{FF2B5EF4-FFF2-40B4-BE49-F238E27FC236}">
-                <a16:creationId xmlns:a16="http://schemas.microsoft.com/office/drawing/2014/main" id="{5EB72DEA-9891-E830-EE18-81B007BA21B8}"/>
+                <a16:creationId xmlns:a16="http://schemas.microsoft.com/office/drawing/2014/main" id="{58EF9925-2670-464F-1768-EA6944327F83}"/>
               </a:ext>
             </a:extLst>
           </p:cNvPr>
@@ -582,7 +582,7 @@
     </p:spTree>
     <p:extLst>
       <p:ext uri="{BB962C8B-B14F-4D97-AF65-F5344CB8AC3E}">
-        <p14:creationId xmlns:p14="http://schemas.microsoft.com/office/powerpoint/2010/main" val="150682800"/>
+        <p14:creationId xmlns:p14="http://schemas.microsoft.com/office/powerpoint/2010/main" val="3763263231"/>
       </p:ext>
     </p:extLst>
   </p:cSld>
@@ -593,6 +593,114 @@
 </file>
 
 <file path=ppt/notesSlides/notesSlide10.xml><?xml version="1.0" encoding="utf-8"?>
+<p:notes xmlns:a="http://schemas.openxmlformats.org/drawingml/2006/main" xmlns:r="http://schemas.openxmlformats.org/officeDocument/2006/relationships" xmlns:p="http://schemas.openxmlformats.org/presentationml/2006/main">
+  <p:cSld>
+    <p:spTree>
+      <p:nvGrpSpPr>
+        <p:cNvPr id="1" name="">
+          <a:extLst>
+            <a:ext uri="{FF2B5EF4-FFF2-40B4-BE49-F238E27FC236}">
+              <a16:creationId xmlns:a16="http://schemas.microsoft.com/office/drawing/2014/main" id="{B719B393-15E9-6D34-C355-A49A826D80FA}"/>
+            </a:ext>
+          </a:extLst>
+        </p:cNvPr>
+        <p:cNvGrpSpPr/>
+        <p:nvPr/>
+      </p:nvGrpSpPr>
+      <p:grpSpPr>
+        <a:xfrm>
+          <a:off x="0" y="0"/>
+          <a:ext cx="0" cy="0"/>
+          <a:chOff x="0" y="0"/>
+          <a:chExt cx="0" cy="0"/>
+        </a:xfrm>
+      </p:grpSpPr>
+      <p:sp>
+        <p:nvSpPr>
+          <p:cNvPr id="2" name="Slide Image Placeholder 1">
+            <a:extLst>
+              <a:ext uri="{FF2B5EF4-FFF2-40B4-BE49-F238E27FC236}">
+                <a16:creationId xmlns:a16="http://schemas.microsoft.com/office/drawing/2014/main" id="{053B6BAE-2AF4-3159-849B-8851C2EB6EF5}"/>
+              </a:ext>
+            </a:extLst>
+          </p:cNvPr>
+          <p:cNvSpPr>
+            <a:spLocks noGrp="1" noRot="1" noChangeAspect="1"/>
+          </p:cNvSpPr>
+          <p:nvPr>
+            <p:ph type="sldImg"/>
+          </p:nvPr>
+        </p:nvSpPr>
+        <p:spPr/>
+      </p:sp>
+      <p:sp>
+        <p:nvSpPr>
+          <p:cNvPr id="3" name="Notes Placeholder 2">
+            <a:extLst>
+              <a:ext uri="{FF2B5EF4-FFF2-40B4-BE49-F238E27FC236}">
+                <a16:creationId xmlns:a16="http://schemas.microsoft.com/office/drawing/2014/main" id="{68A05C5F-6F2C-BB90-155F-2B6F0ABBB0BA}"/>
+              </a:ext>
+            </a:extLst>
+          </p:cNvPr>
+          <p:cNvSpPr>
+            <a:spLocks noGrp="1"/>
+          </p:cNvSpPr>
+          <p:nvPr>
+            <p:ph type="body" idx="1"/>
+          </p:nvPr>
+        </p:nvSpPr>
+        <p:spPr/>
+        <p:txBody>
+          <a:bodyPr/>
+          <a:lstStyle/>
+          <a:p>
+            <a:endParaRPr lang="en-US"/>
+          </a:p>
+        </p:txBody>
+      </p:sp>
+      <p:sp>
+        <p:nvSpPr>
+          <p:cNvPr id="4" name="Slide Number Placeholder 3">
+            <a:extLst>
+              <a:ext uri="{FF2B5EF4-FFF2-40B4-BE49-F238E27FC236}">
+                <a16:creationId xmlns:a16="http://schemas.microsoft.com/office/drawing/2014/main" id="{89074682-BF69-9CB6-FAA8-803D196A68C1}"/>
+              </a:ext>
+            </a:extLst>
+          </p:cNvPr>
+          <p:cNvSpPr>
+            <a:spLocks noGrp="1"/>
+          </p:cNvSpPr>
+          <p:nvPr>
+            <p:ph type="sldNum" sz="quarter" idx="5"/>
+          </p:nvPr>
+        </p:nvSpPr>
+        <p:spPr/>
+        <p:txBody>
+          <a:bodyPr/>
+          <a:lstStyle/>
+          <a:p>
+            <a:fld id="{659E7695-2856-4E04-B435-7203877CB9AD}" type="slidenum">
+              <a:rPr lang="en-US" smtClean="0"/>
+              <a:t>10</a:t>
+            </a:fld>
+            <a:endParaRPr lang="en-US"/>
+          </a:p>
+        </p:txBody>
+      </p:sp>
+    </p:spTree>
+    <p:extLst>
+      <p:ext uri="{BB962C8B-B14F-4D97-AF65-F5344CB8AC3E}">
+        <p14:creationId xmlns:p14="http://schemas.microsoft.com/office/powerpoint/2010/main" val="4180182632"/>
+      </p:ext>
+    </p:extLst>
+  </p:cSld>
+  <p:clrMapOvr>
+    <a:masterClrMapping/>
+  </p:clrMapOvr>
+</p:notes>
+</file>
+
+<file path=ppt/notesSlides/notesSlide11.xml><?xml version="1.0" encoding="utf-8"?>
 <p:notes xmlns:a="http://schemas.openxmlformats.org/drawingml/2006/main" xmlns:r="http://schemas.openxmlformats.org/officeDocument/2006/relationships" xmlns:p="http://schemas.openxmlformats.org/presentationml/2006/main">
   <p:cSld>
     <p:spTree>
@@ -681,7 +789,7 @@
           <a:p>
             <a:fld id="{659E7695-2856-4E04-B435-7203877CB9AD}" type="slidenum">
               <a:rPr lang="en-US" smtClean="0"/>
-              <a:t>10</a:t>
+              <a:t>11</a:t>
             </a:fld>
             <a:endParaRPr lang="en-US"/>
           </a:p>
@@ -700,7 +808,7 @@
 </p:notes>
 </file>
 
-<file path=ppt/notesSlides/notesSlide11.xml><?xml version="1.0" encoding="utf-8"?>
+<file path=ppt/notesSlides/notesSlide12.xml><?xml version="1.0" encoding="utf-8"?>
 <p:notes xmlns:a="http://schemas.openxmlformats.org/drawingml/2006/main" xmlns:r="http://schemas.openxmlformats.org/officeDocument/2006/relationships" xmlns:p="http://schemas.openxmlformats.org/presentationml/2006/main">
   <p:cSld>
     <p:spTree>
@@ -789,7 +897,7 @@
           <a:p>
             <a:fld id="{659E7695-2856-4E04-B435-7203877CB9AD}" type="slidenum">
               <a:rPr lang="en-US" smtClean="0"/>
-              <a:t>11</a:t>
+              <a:t>12</a:t>
             </a:fld>
             <a:endParaRPr lang="en-US"/>
           </a:p>
@@ -808,7 +916,7 @@
 </p:notes>
 </file>
 
-<file path=ppt/notesSlides/notesSlide12.xml><?xml version="1.0" encoding="utf-8"?>
+<file path=ppt/notesSlides/notesSlide13.xml><?xml version="1.0" encoding="utf-8"?>
 <p:notes xmlns:a="http://schemas.openxmlformats.org/drawingml/2006/main" xmlns:r="http://schemas.openxmlformats.org/officeDocument/2006/relationships" xmlns:p="http://schemas.openxmlformats.org/presentationml/2006/main">
   <p:cSld>
     <p:spTree>
@@ -897,7 +1005,7 @@
           <a:p>
             <a:fld id="{659E7695-2856-4E04-B435-7203877CB9AD}" type="slidenum">
               <a:rPr lang="en-US" smtClean="0"/>
-              <a:t>12</a:t>
+              <a:t>13</a:t>
             </a:fld>
             <a:endParaRPr lang="en-US"/>
           </a:p>
@@ -916,7 +1024,7 @@
 </p:notes>
 </file>
 
-<file path=ppt/notesSlides/notesSlide13.xml><?xml version="1.0" encoding="utf-8"?>
+<file path=ppt/notesSlides/notesSlide14.xml><?xml version="1.0" encoding="utf-8"?>
 <p:notes xmlns:a="http://schemas.openxmlformats.org/drawingml/2006/main" xmlns:r="http://schemas.openxmlformats.org/officeDocument/2006/relationships" xmlns:p="http://schemas.openxmlformats.org/presentationml/2006/main">
   <p:cSld>
     <p:spTree>
@@ -1005,7 +1113,7 @@
           <a:p>
             <a:fld id="{659E7695-2856-4E04-B435-7203877CB9AD}" type="slidenum">
               <a:rPr lang="en-US" smtClean="0"/>
-              <a:t>13</a:t>
+              <a:t>14</a:t>
             </a:fld>
             <a:endParaRPr lang="en-US"/>
           </a:p>
@@ -1024,7 +1132,7 @@
 </p:notes>
 </file>
 
-<file path=ppt/notesSlides/notesSlide14.xml><?xml version="1.0" encoding="utf-8"?>
+<file path=ppt/notesSlides/notesSlide15.xml><?xml version="1.0" encoding="utf-8"?>
 <p:notes xmlns:a="http://schemas.openxmlformats.org/drawingml/2006/main" xmlns:r="http://schemas.openxmlformats.org/officeDocument/2006/relationships" xmlns:p="http://schemas.openxmlformats.org/presentationml/2006/main">
   <p:cSld>
     <p:spTree>
@@ -1113,7 +1221,7 @@
           <a:p>
             <a:fld id="{659E7695-2856-4E04-B435-7203877CB9AD}" type="slidenum">
               <a:rPr lang="en-US" smtClean="0"/>
-              <a:t>14</a:t>
+              <a:t>15</a:t>
             </a:fld>
             <a:endParaRPr lang="en-US"/>
           </a:p>
@@ -1132,7 +1240,7 @@
 </p:notes>
 </file>
 
-<file path=ppt/notesSlides/notesSlide15.xml><?xml version="1.0" encoding="utf-8"?>
+<file path=ppt/notesSlides/notesSlide16.xml><?xml version="1.0" encoding="utf-8"?>
 <p:notes xmlns:a="http://schemas.openxmlformats.org/drawingml/2006/main" xmlns:r="http://schemas.openxmlformats.org/officeDocument/2006/relationships" xmlns:p="http://schemas.openxmlformats.org/presentationml/2006/main">
   <p:cSld>
     <p:spTree>
@@ -1221,7 +1329,7 @@
           <a:p>
             <a:fld id="{659E7695-2856-4E04-B435-7203877CB9AD}" type="slidenum">
               <a:rPr lang="en-US" smtClean="0"/>
-              <a:t>15</a:t>
+              <a:t>16</a:t>
             </a:fld>
             <a:endParaRPr lang="en-US"/>
           </a:p>
@@ -1240,7 +1348,7 @@
 </p:notes>
 </file>
 
-<file path=ppt/notesSlides/notesSlide16.xml><?xml version="1.0" encoding="utf-8"?>
+<file path=ppt/notesSlides/notesSlide17.xml><?xml version="1.0" encoding="utf-8"?>
 <p:notes xmlns:a="http://schemas.openxmlformats.org/drawingml/2006/main" xmlns:r="http://schemas.openxmlformats.org/officeDocument/2006/relationships" xmlns:p="http://schemas.openxmlformats.org/presentationml/2006/main">
   <p:cSld>
     <p:spTree>
@@ -1329,7 +1437,7 @@
           <a:p>
             <a:fld id="{659E7695-2856-4E04-B435-7203877CB9AD}" type="slidenum">
               <a:rPr lang="en-US" smtClean="0"/>
-              <a:t>16</a:t>
+              <a:t>17</a:t>
             </a:fld>
             <a:endParaRPr lang="en-US"/>
           </a:p>
@@ -1348,7 +1456,7 @@
 </p:notes>
 </file>
 
-<file path=ppt/notesSlides/notesSlide17.xml><?xml version="1.0" encoding="utf-8"?>
+<file path=ppt/notesSlides/notesSlide18.xml><?xml version="1.0" encoding="utf-8"?>
 <p:notes xmlns:a="http://schemas.openxmlformats.org/drawingml/2006/main" xmlns:r="http://schemas.openxmlformats.org/officeDocument/2006/relationships" xmlns:p="http://schemas.openxmlformats.org/presentationml/2006/main">
   <p:cSld>
     <p:spTree>
@@ -1437,7 +1545,7 @@
           <a:p>
             <a:fld id="{659E7695-2856-4E04-B435-7203877CB9AD}" type="slidenum">
               <a:rPr lang="en-US" smtClean="0"/>
-              <a:t>17</a:t>
+              <a:t>18</a:t>
             </a:fld>
             <a:endParaRPr lang="en-US"/>
           </a:p>
@@ -1456,7 +1564,7 @@
 </p:notes>
 </file>
 
-<file path=ppt/notesSlides/notesSlide18.xml><?xml version="1.0" encoding="utf-8"?>
+<file path=ppt/notesSlides/notesSlide19.xml><?xml version="1.0" encoding="utf-8"?>
 <p:notes xmlns:a="http://schemas.openxmlformats.org/drawingml/2006/main" xmlns:r="http://schemas.openxmlformats.org/officeDocument/2006/relationships" xmlns:p="http://schemas.openxmlformats.org/presentationml/2006/main">
   <p:cSld>
     <p:spTree>
@@ -1545,7 +1653,7 @@
           <a:p>
             <a:fld id="{659E7695-2856-4E04-B435-7203877CB9AD}" type="slidenum">
               <a:rPr lang="en-US" smtClean="0"/>
-              <a:t>18</a:t>
+              <a:t>19</a:t>
             </a:fld>
             <a:endParaRPr lang="en-US"/>
           </a:p>
@@ -1564,7 +1672,115 @@
 </p:notes>
 </file>
 
-<file path=ppt/notesSlides/notesSlide19.xml><?xml version="1.0" encoding="utf-8"?>
+<file path=ppt/notesSlides/notesSlide2.xml><?xml version="1.0" encoding="utf-8"?>
+<p:notes xmlns:a="http://schemas.openxmlformats.org/drawingml/2006/main" xmlns:r="http://schemas.openxmlformats.org/officeDocument/2006/relationships" xmlns:p="http://schemas.openxmlformats.org/presentationml/2006/main">
+  <p:cSld>
+    <p:spTree>
+      <p:nvGrpSpPr>
+        <p:cNvPr id="1" name="">
+          <a:extLst>
+            <a:ext uri="{FF2B5EF4-FFF2-40B4-BE49-F238E27FC236}">
+              <a16:creationId xmlns:a16="http://schemas.microsoft.com/office/drawing/2014/main" id="{B9E28B38-34C7-B2D4-708B-50EE39196A09}"/>
+            </a:ext>
+          </a:extLst>
+        </p:cNvPr>
+        <p:cNvGrpSpPr/>
+        <p:nvPr/>
+      </p:nvGrpSpPr>
+      <p:grpSpPr>
+        <a:xfrm>
+          <a:off x="0" y="0"/>
+          <a:ext cx="0" cy="0"/>
+          <a:chOff x="0" y="0"/>
+          <a:chExt cx="0" cy="0"/>
+        </a:xfrm>
+      </p:grpSpPr>
+      <p:sp>
+        <p:nvSpPr>
+          <p:cNvPr id="2" name="Slide Image Placeholder 1">
+            <a:extLst>
+              <a:ext uri="{FF2B5EF4-FFF2-40B4-BE49-F238E27FC236}">
+                <a16:creationId xmlns:a16="http://schemas.microsoft.com/office/drawing/2014/main" id="{29CEDD22-CB33-FF24-D5E3-537128D20D34}"/>
+              </a:ext>
+            </a:extLst>
+          </p:cNvPr>
+          <p:cNvSpPr>
+            <a:spLocks noGrp="1" noRot="1" noChangeAspect="1"/>
+          </p:cNvSpPr>
+          <p:nvPr>
+            <p:ph type="sldImg"/>
+          </p:nvPr>
+        </p:nvSpPr>
+        <p:spPr/>
+      </p:sp>
+      <p:sp>
+        <p:nvSpPr>
+          <p:cNvPr id="3" name="Notes Placeholder 2">
+            <a:extLst>
+              <a:ext uri="{FF2B5EF4-FFF2-40B4-BE49-F238E27FC236}">
+                <a16:creationId xmlns:a16="http://schemas.microsoft.com/office/drawing/2014/main" id="{665A0762-C2BF-EEE0-11A9-60394DDA8769}"/>
+              </a:ext>
+            </a:extLst>
+          </p:cNvPr>
+          <p:cNvSpPr>
+            <a:spLocks noGrp="1"/>
+          </p:cNvSpPr>
+          <p:nvPr>
+            <p:ph type="body" idx="1"/>
+          </p:nvPr>
+        </p:nvSpPr>
+        <p:spPr/>
+        <p:txBody>
+          <a:bodyPr/>
+          <a:lstStyle/>
+          <a:p>
+            <a:endParaRPr lang="en-US"/>
+          </a:p>
+        </p:txBody>
+      </p:sp>
+      <p:sp>
+        <p:nvSpPr>
+          <p:cNvPr id="4" name="Slide Number Placeholder 3">
+            <a:extLst>
+              <a:ext uri="{FF2B5EF4-FFF2-40B4-BE49-F238E27FC236}">
+                <a16:creationId xmlns:a16="http://schemas.microsoft.com/office/drawing/2014/main" id="{5EB72DEA-9891-E830-EE18-81B007BA21B8}"/>
+              </a:ext>
+            </a:extLst>
+          </p:cNvPr>
+          <p:cNvSpPr>
+            <a:spLocks noGrp="1"/>
+          </p:cNvSpPr>
+          <p:nvPr>
+            <p:ph type="sldNum" sz="quarter" idx="5"/>
+          </p:nvPr>
+        </p:nvSpPr>
+        <p:spPr/>
+        <p:txBody>
+          <a:bodyPr/>
+          <a:lstStyle/>
+          <a:p>
+            <a:fld id="{659E7695-2856-4E04-B435-7203877CB9AD}" type="slidenum">
+              <a:rPr lang="en-US" smtClean="0"/>
+              <a:t>2</a:t>
+            </a:fld>
+            <a:endParaRPr lang="en-US"/>
+          </a:p>
+        </p:txBody>
+      </p:sp>
+    </p:spTree>
+    <p:extLst>
+      <p:ext uri="{BB962C8B-B14F-4D97-AF65-F5344CB8AC3E}">
+        <p14:creationId xmlns:p14="http://schemas.microsoft.com/office/powerpoint/2010/main" val="150682800"/>
+      </p:ext>
+    </p:extLst>
+  </p:cSld>
+  <p:clrMapOvr>
+    <a:masterClrMapping/>
+  </p:clrMapOvr>
+</p:notes>
+</file>
+
+<file path=ppt/notesSlides/notesSlide20.xml><?xml version="1.0" encoding="utf-8"?>
 <p:notes xmlns:a="http://schemas.openxmlformats.org/drawingml/2006/main" xmlns:r="http://schemas.openxmlformats.org/officeDocument/2006/relationships" xmlns:p="http://schemas.openxmlformats.org/presentationml/2006/main">
   <p:cSld>
     <p:spTree>
@@ -1653,7 +1869,7 @@
           <a:p>
             <a:fld id="{659E7695-2856-4E04-B435-7203877CB9AD}" type="slidenum">
               <a:rPr lang="en-US" smtClean="0"/>
-              <a:t>19</a:t>
+              <a:t>20</a:t>
             </a:fld>
             <a:endParaRPr lang="en-US"/>
           </a:p>
@@ -1663,222 +1879,6 @@
     <p:extLst>
       <p:ext uri="{BB962C8B-B14F-4D97-AF65-F5344CB8AC3E}">
         <p14:creationId xmlns:p14="http://schemas.microsoft.com/office/powerpoint/2010/main" val="1858232610"/>
-      </p:ext>
-    </p:extLst>
-  </p:cSld>
-  <p:clrMapOvr>
-    <a:masterClrMapping/>
-  </p:clrMapOvr>
-</p:notes>
-</file>
-
-<file path=ppt/notesSlides/notesSlide2.xml><?xml version="1.0" encoding="utf-8"?>
-<p:notes xmlns:a="http://schemas.openxmlformats.org/drawingml/2006/main" xmlns:r="http://schemas.openxmlformats.org/officeDocument/2006/relationships" xmlns:p="http://schemas.openxmlformats.org/presentationml/2006/main">
-  <p:cSld>
-    <p:spTree>
-      <p:nvGrpSpPr>
-        <p:cNvPr id="1" name="">
-          <a:extLst>
-            <a:ext uri="{FF2B5EF4-FFF2-40B4-BE49-F238E27FC236}">
-              <a16:creationId xmlns:a16="http://schemas.microsoft.com/office/drawing/2014/main" id="{2CB6681C-0159-FC21-5FD8-CEEB8DE1B298}"/>
-            </a:ext>
-          </a:extLst>
-        </p:cNvPr>
-        <p:cNvGrpSpPr/>
-        <p:nvPr/>
-      </p:nvGrpSpPr>
-      <p:grpSpPr>
-        <a:xfrm>
-          <a:off x="0" y="0"/>
-          <a:ext cx="0" cy="0"/>
-          <a:chOff x="0" y="0"/>
-          <a:chExt cx="0" cy="0"/>
-        </a:xfrm>
-      </p:grpSpPr>
-      <p:sp>
-        <p:nvSpPr>
-          <p:cNvPr id="2" name="Slide Image Placeholder 1">
-            <a:extLst>
-              <a:ext uri="{FF2B5EF4-FFF2-40B4-BE49-F238E27FC236}">
-                <a16:creationId xmlns:a16="http://schemas.microsoft.com/office/drawing/2014/main" id="{11CD0371-8DE0-FB5F-EC13-0B02ACE5CD77}"/>
-              </a:ext>
-            </a:extLst>
-          </p:cNvPr>
-          <p:cNvSpPr>
-            <a:spLocks noGrp="1" noRot="1" noChangeAspect="1"/>
-          </p:cNvSpPr>
-          <p:nvPr>
-            <p:ph type="sldImg"/>
-          </p:nvPr>
-        </p:nvSpPr>
-        <p:spPr/>
-      </p:sp>
-      <p:sp>
-        <p:nvSpPr>
-          <p:cNvPr id="3" name="Notes Placeholder 2">
-            <a:extLst>
-              <a:ext uri="{FF2B5EF4-FFF2-40B4-BE49-F238E27FC236}">
-                <a16:creationId xmlns:a16="http://schemas.microsoft.com/office/drawing/2014/main" id="{F514586F-53EF-85E4-2515-EC8984DDB708}"/>
-              </a:ext>
-            </a:extLst>
-          </p:cNvPr>
-          <p:cNvSpPr>
-            <a:spLocks noGrp="1"/>
-          </p:cNvSpPr>
-          <p:nvPr>
-            <p:ph type="body" idx="1"/>
-          </p:nvPr>
-        </p:nvSpPr>
-        <p:spPr/>
-        <p:txBody>
-          <a:bodyPr/>
-          <a:lstStyle/>
-          <a:p>
-            <a:endParaRPr lang="en-US"/>
-          </a:p>
-        </p:txBody>
-      </p:sp>
-      <p:sp>
-        <p:nvSpPr>
-          <p:cNvPr id="4" name="Slide Number Placeholder 3">
-            <a:extLst>
-              <a:ext uri="{FF2B5EF4-FFF2-40B4-BE49-F238E27FC236}">
-                <a16:creationId xmlns:a16="http://schemas.microsoft.com/office/drawing/2014/main" id="{D408FA6A-2D3F-2394-AD05-4B50CD27E34D}"/>
-              </a:ext>
-            </a:extLst>
-          </p:cNvPr>
-          <p:cNvSpPr>
-            <a:spLocks noGrp="1"/>
-          </p:cNvSpPr>
-          <p:nvPr>
-            <p:ph type="sldNum" sz="quarter" idx="5"/>
-          </p:nvPr>
-        </p:nvSpPr>
-        <p:spPr/>
-        <p:txBody>
-          <a:bodyPr/>
-          <a:lstStyle/>
-          <a:p>
-            <a:fld id="{659E7695-2856-4E04-B435-7203877CB9AD}" type="slidenum">
-              <a:rPr lang="en-US" smtClean="0"/>
-              <a:t>2</a:t>
-            </a:fld>
-            <a:endParaRPr lang="en-US"/>
-          </a:p>
-        </p:txBody>
-      </p:sp>
-    </p:spTree>
-    <p:extLst>
-      <p:ext uri="{BB962C8B-B14F-4D97-AF65-F5344CB8AC3E}">
-        <p14:creationId xmlns:p14="http://schemas.microsoft.com/office/powerpoint/2010/main" val="529796468"/>
-      </p:ext>
-    </p:extLst>
-  </p:cSld>
-  <p:clrMapOvr>
-    <a:masterClrMapping/>
-  </p:clrMapOvr>
-</p:notes>
-</file>
-
-<file path=ppt/notesSlides/notesSlide20.xml><?xml version="1.0" encoding="utf-8"?>
-<p:notes xmlns:a="http://schemas.openxmlformats.org/drawingml/2006/main" xmlns:r="http://schemas.openxmlformats.org/officeDocument/2006/relationships" xmlns:p="http://schemas.openxmlformats.org/presentationml/2006/main">
-  <p:cSld>
-    <p:spTree>
-      <p:nvGrpSpPr>
-        <p:cNvPr id="1" name="">
-          <a:extLst>
-            <a:ext uri="{FF2B5EF4-FFF2-40B4-BE49-F238E27FC236}">
-              <a16:creationId xmlns:a16="http://schemas.microsoft.com/office/drawing/2014/main" id="{C179B3BF-D2D5-817F-050E-59E9991437D8}"/>
-            </a:ext>
-          </a:extLst>
-        </p:cNvPr>
-        <p:cNvGrpSpPr/>
-        <p:nvPr/>
-      </p:nvGrpSpPr>
-      <p:grpSpPr>
-        <a:xfrm>
-          <a:off x="0" y="0"/>
-          <a:ext cx="0" cy="0"/>
-          <a:chOff x="0" y="0"/>
-          <a:chExt cx="0" cy="0"/>
-        </a:xfrm>
-      </p:grpSpPr>
-      <p:sp>
-        <p:nvSpPr>
-          <p:cNvPr id="2" name="Slide Image Placeholder 1">
-            <a:extLst>
-              <a:ext uri="{FF2B5EF4-FFF2-40B4-BE49-F238E27FC236}">
-                <a16:creationId xmlns:a16="http://schemas.microsoft.com/office/drawing/2014/main" id="{866DCA6F-F26D-2F5A-810E-8E4C2B5DDCBB}"/>
-              </a:ext>
-            </a:extLst>
-          </p:cNvPr>
-          <p:cNvSpPr>
-            <a:spLocks noGrp="1" noRot="1" noChangeAspect="1"/>
-          </p:cNvSpPr>
-          <p:nvPr>
-            <p:ph type="sldImg"/>
-          </p:nvPr>
-        </p:nvSpPr>
-        <p:spPr/>
-      </p:sp>
-      <p:sp>
-        <p:nvSpPr>
-          <p:cNvPr id="3" name="Notes Placeholder 2">
-            <a:extLst>
-              <a:ext uri="{FF2B5EF4-FFF2-40B4-BE49-F238E27FC236}">
-                <a16:creationId xmlns:a16="http://schemas.microsoft.com/office/drawing/2014/main" id="{56772DEC-FB7F-E974-AE52-F1DAAA8F3856}"/>
-              </a:ext>
-            </a:extLst>
-          </p:cNvPr>
-          <p:cNvSpPr>
-            <a:spLocks noGrp="1"/>
-          </p:cNvSpPr>
-          <p:nvPr>
-            <p:ph type="body" idx="1"/>
-          </p:nvPr>
-        </p:nvSpPr>
-        <p:spPr/>
-        <p:txBody>
-          <a:bodyPr/>
-          <a:lstStyle/>
-          <a:p>
-            <a:endParaRPr lang="en-US"/>
-          </a:p>
-        </p:txBody>
-      </p:sp>
-      <p:sp>
-        <p:nvSpPr>
-          <p:cNvPr id="4" name="Slide Number Placeholder 3">
-            <a:extLst>
-              <a:ext uri="{FF2B5EF4-FFF2-40B4-BE49-F238E27FC236}">
-                <a16:creationId xmlns:a16="http://schemas.microsoft.com/office/drawing/2014/main" id="{58EF9925-2670-464F-1768-EA6944327F83}"/>
-              </a:ext>
-            </a:extLst>
-          </p:cNvPr>
-          <p:cNvSpPr>
-            <a:spLocks noGrp="1"/>
-          </p:cNvSpPr>
-          <p:nvPr>
-            <p:ph type="sldNum" sz="quarter" idx="5"/>
-          </p:nvPr>
-        </p:nvSpPr>
-        <p:spPr/>
-        <p:txBody>
-          <a:bodyPr/>
-          <a:lstStyle/>
-          <a:p>
-            <a:fld id="{659E7695-2856-4E04-B435-7203877CB9AD}" type="slidenum">
-              <a:rPr lang="en-US" smtClean="0"/>
-              <a:t>20</a:t>
-            </a:fld>
-            <a:endParaRPr lang="en-US"/>
-          </a:p>
-        </p:txBody>
-      </p:sp>
-    </p:spTree>
-    <p:extLst>
-      <p:ext uri="{BB962C8B-B14F-4D97-AF65-F5344CB8AC3E}">
-        <p14:creationId xmlns:p14="http://schemas.microsoft.com/office/powerpoint/2010/main" val="3763263231"/>
       </p:ext>
     </p:extLst>
   </p:cSld>
@@ -2004,6 +2004,114 @@
         <p:cNvPr id="1" name="">
           <a:extLst>
             <a:ext uri="{FF2B5EF4-FFF2-40B4-BE49-F238E27FC236}">
+              <a16:creationId xmlns:a16="http://schemas.microsoft.com/office/drawing/2014/main" id="{2CB6681C-0159-FC21-5FD8-CEEB8DE1B298}"/>
+            </a:ext>
+          </a:extLst>
+        </p:cNvPr>
+        <p:cNvGrpSpPr/>
+        <p:nvPr/>
+      </p:nvGrpSpPr>
+      <p:grpSpPr>
+        <a:xfrm>
+          <a:off x="0" y="0"/>
+          <a:ext cx="0" cy="0"/>
+          <a:chOff x="0" y="0"/>
+          <a:chExt cx="0" cy="0"/>
+        </a:xfrm>
+      </p:grpSpPr>
+      <p:sp>
+        <p:nvSpPr>
+          <p:cNvPr id="2" name="Slide Image Placeholder 1">
+            <a:extLst>
+              <a:ext uri="{FF2B5EF4-FFF2-40B4-BE49-F238E27FC236}">
+                <a16:creationId xmlns:a16="http://schemas.microsoft.com/office/drawing/2014/main" id="{11CD0371-8DE0-FB5F-EC13-0B02ACE5CD77}"/>
+              </a:ext>
+            </a:extLst>
+          </p:cNvPr>
+          <p:cNvSpPr>
+            <a:spLocks noGrp="1" noRot="1" noChangeAspect="1"/>
+          </p:cNvSpPr>
+          <p:nvPr>
+            <p:ph type="sldImg"/>
+          </p:nvPr>
+        </p:nvSpPr>
+        <p:spPr/>
+      </p:sp>
+      <p:sp>
+        <p:nvSpPr>
+          <p:cNvPr id="3" name="Notes Placeholder 2">
+            <a:extLst>
+              <a:ext uri="{FF2B5EF4-FFF2-40B4-BE49-F238E27FC236}">
+                <a16:creationId xmlns:a16="http://schemas.microsoft.com/office/drawing/2014/main" id="{F514586F-53EF-85E4-2515-EC8984DDB708}"/>
+              </a:ext>
+            </a:extLst>
+          </p:cNvPr>
+          <p:cNvSpPr>
+            <a:spLocks noGrp="1"/>
+          </p:cNvSpPr>
+          <p:nvPr>
+            <p:ph type="body" idx="1"/>
+          </p:nvPr>
+        </p:nvSpPr>
+        <p:spPr/>
+        <p:txBody>
+          <a:bodyPr/>
+          <a:lstStyle/>
+          <a:p>
+            <a:endParaRPr lang="en-US"/>
+          </a:p>
+        </p:txBody>
+      </p:sp>
+      <p:sp>
+        <p:nvSpPr>
+          <p:cNvPr id="4" name="Slide Number Placeholder 3">
+            <a:extLst>
+              <a:ext uri="{FF2B5EF4-FFF2-40B4-BE49-F238E27FC236}">
+                <a16:creationId xmlns:a16="http://schemas.microsoft.com/office/drawing/2014/main" id="{D408FA6A-2D3F-2394-AD05-4B50CD27E34D}"/>
+              </a:ext>
+            </a:extLst>
+          </p:cNvPr>
+          <p:cNvSpPr>
+            <a:spLocks noGrp="1"/>
+          </p:cNvSpPr>
+          <p:nvPr>
+            <p:ph type="sldNum" sz="quarter" idx="5"/>
+          </p:nvPr>
+        </p:nvSpPr>
+        <p:spPr/>
+        <p:txBody>
+          <a:bodyPr/>
+          <a:lstStyle/>
+          <a:p>
+            <a:fld id="{659E7695-2856-4E04-B435-7203877CB9AD}" type="slidenum">
+              <a:rPr lang="en-US" smtClean="0"/>
+              <a:t>3</a:t>
+            </a:fld>
+            <a:endParaRPr lang="en-US"/>
+          </a:p>
+        </p:txBody>
+      </p:sp>
+    </p:spTree>
+    <p:extLst>
+      <p:ext uri="{BB962C8B-B14F-4D97-AF65-F5344CB8AC3E}">
+        <p14:creationId xmlns:p14="http://schemas.microsoft.com/office/powerpoint/2010/main" val="529796468"/>
+      </p:ext>
+    </p:extLst>
+  </p:cSld>
+  <p:clrMapOvr>
+    <a:masterClrMapping/>
+  </p:clrMapOvr>
+</p:notes>
+</file>
+
+<file path=ppt/notesSlides/notesSlide4.xml><?xml version="1.0" encoding="utf-8"?>
+<p:notes xmlns:a="http://schemas.openxmlformats.org/drawingml/2006/main" xmlns:r="http://schemas.openxmlformats.org/officeDocument/2006/relationships" xmlns:p="http://schemas.openxmlformats.org/presentationml/2006/main">
+  <p:cSld>
+    <p:spTree>
+      <p:nvGrpSpPr>
+        <p:cNvPr id="1" name="">
+          <a:extLst>
+            <a:ext uri="{FF2B5EF4-FFF2-40B4-BE49-F238E27FC236}">
               <a16:creationId xmlns:a16="http://schemas.microsoft.com/office/drawing/2014/main" id="{E4AE6751-CC8A-300F-31F2-6BFAA1007CEB}"/>
             </a:ext>
           </a:extLst>
@@ -2085,7 +2193,7 @@
           <a:p>
             <a:fld id="{659E7695-2856-4E04-B435-7203877CB9AD}" type="slidenum">
               <a:rPr lang="en-US" smtClean="0"/>
-              <a:t>3</a:t>
+              <a:t>4</a:t>
             </a:fld>
             <a:endParaRPr lang="en-US"/>
           </a:p>
@@ -2104,7 +2212,7 @@
 </p:notes>
 </file>
 
-<file path=ppt/notesSlides/notesSlide4.xml><?xml version="1.0" encoding="utf-8"?>
+<file path=ppt/notesSlides/notesSlide5.xml><?xml version="1.0" encoding="utf-8"?>
 <p:notes xmlns:a="http://schemas.openxmlformats.org/drawingml/2006/main" xmlns:r="http://schemas.openxmlformats.org/officeDocument/2006/relationships" xmlns:p="http://schemas.openxmlformats.org/presentationml/2006/main">
   <p:cSld>
     <p:spTree>
@@ -2193,7 +2301,7 @@
           <a:p>
             <a:fld id="{659E7695-2856-4E04-B435-7203877CB9AD}" type="slidenum">
               <a:rPr lang="en-US" smtClean="0"/>
-              <a:t>4</a:t>
+              <a:t>5</a:t>
             </a:fld>
             <a:endParaRPr lang="en-US"/>
           </a:p>
@@ -2212,7 +2320,7 @@
 </p:notes>
 </file>
 
-<file path=ppt/notesSlides/notesSlide5.xml><?xml version="1.0" encoding="utf-8"?>
+<file path=ppt/notesSlides/notesSlide6.xml><?xml version="1.0" encoding="utf-8"?>
 <p:notes xmlns:a="http://schemas.openxmlformats.org/drawingml/2006/main" xmlns:r="http://schemas.openxmlformats.org/officeDocument/2006/relationships" xmlns:p="http://schemas.openxmlformats.org/presentationml/2006/main">
   <p:cSld>
     <p:spTree>
@@ -2301,7 +2409,7 @@
           <a:p>
             <a:fld id="{659E7695-2856-4E04-B435-7203877CB9AD}" type="slidenum">
               <a:rPr lang="en-US" smtClean="0"/>
-              <a:t>5</a:t>
+              <a:t>6</a:t>
             </a:fld>
             <a:endParaRPr lang="en-US"/>
           </a:p>
@@ -2320,7 +2428,7 @@
 </p:notes>
 </file>
 
-<file path=ppt/notesSlides/notesSlide6.xml><?xml version="1.0" encoding="utf-8"?>
+<file path=ppt/notesSlides/notesSlide7.xml><?xml version="1.0" encoding="utf-8"?>
 <p:notes xmlns:a="http://schemas.openxmlformats.org/drawingml/2006/main" xmlns:r="http://schemas.openxmlformats.org/officeDocument/2006/relationships" xmlns:p="http://schemas.openxmlformats.org/presentationml/2006/main">
   <p:cSld>
     <p:spTree>
@@ -2409,7 +2517,7 @@
           <a:p>
             <a:fld id="{659E7695-2856-4E04-B435-7203877CB9AD}" type="slidenum">
               <a:rPr lang="en-US" smtClean="0"/>
-              <a:t>6</a:t>
+              <a:t>7</a:t>
             </a:fld>
             <a:endParaRPr lang="en-US"/>
           </a:p>
@@ -2428,7 +2536,7 @@
 </p:notes>
 </file>
 
-<file path=ppt/notesSlides/notesSlide7.xml><?xml version="1.0" encoding="utf-8"?>
+<file path=ppt/notesSlides/notesSlide8.xml><?xml version="1.0" encoding="utf-8"?>
 <p:notes xmlns:a="http://schemas.openxmlformats.org/drawingml/2006/main" xmlns:r="http://schemas.openxmlformats.org/officeDocument/2006/relationships" xmlns:p="http://schemas.openxmlformats.org/presentationml/2006/main">
   <p:cSld>
     <p:spTree>
@@ -2517,7 +2625,7 @@
           <a:p>
             <a:fld id="{659E7695-2856-4E04-B435-7203877CB9AD}" type="slidenum">
               <a:rPr lang="en-US" smtClean="0"/>
-              <a:t>7</a:t>
+              <a:t>8</a:t>
             </a:fld>
             <a:endParaRPr lang="en-US"/>
           </a:p>
@@ -2536,7 +2644,7 @@
 </p:notes>
 </file>
 
-<file path=ppt/notesSlides/notesSlide8.xml><?xml version="1.0" encoding="utf-8"?>
+<file path=ppt/notesSlides/notesSlide9.xml><?xml version="1.0" encoding="utf-8"?>
 <p:notes xmlns:a="http://schemas.openxmlformats.org/drawingml/2006/main" xmlns:r="http://schemas.openxmlformats.org/officeDocument/2006/relationships" xmlns:p="http://schemas.openxmlformats.org/presentationml/2006/main">
   <p:cSld>
     <p:spTree>
@@ -2625,7 +2733,7 @@
           <a:p>
             <a:fld id="{659E7695-2856-4E04-B435-7203877CB9AD}" type="slidenum">
               <a:rPr lang="en-US" smtClean="0"/>
-              <a:t>8</a:t>
+              <a:t>9</a:t>
             </a:fld>
             <a:endParaRPr lang="en-US"/>
           </a:p>
@@ -2635,114 +2743,6 @@
     <p:extLst>
       <p:ext uri="{BB962C8B-B14F-4D97-AF65-F5344CB8AC3E}">
         <p14:creationId xmlns:p14="http://schemas.microsoft.com/office/powerpoint/2010/main" val="3968194351"/>
-      </p:ext>
-    </p:extLst>
-  </p:cSld>
-  <p:clrMapOvr>
-    <a:masterClrMapping/>
-  </p:clrMapOvr>
-</p:notes>
-</file>
-
-<file path=ppt/notesSlides/notesSlide9.xml><?xml version="1.0" encoding="utf-8"?>
-<p:notes xmlns:a="http://schemas.openxmlformats.org/drawingml/2006/main" xmlns:r="http://schemas.openxmlformats.org/officeDocument/2006/relationships" xmlns:p="http://schemas.openxmlformats.org/presentationml/2006/main">
-  <p:cSld>
-    <p:spTree>
-      <p:nvGrpSpPr>
-        <p:cNvPr id="1" name="">
-          <a:extLst>
-            <a:ext uri="{FF2B5EF4-FFF2-40B4-BE49-F238E27FC236}">
-              <a16:creationId xmlns:a16="http://schemas.microsoft.com/office/drawing/2014/main" id="{B719B393-15E9-6D34-C355-A49A826D80FA}"/>
-            </a:ext>
-          </a:extLst>
-        </p:cNvPr>
-        <p:cNvGrpSpPr/>
-        <p:nvPr/>
-      </p:nvGrpSpPr>
-      <p:grpSpPr>
-        <a:xfrm>
-          <a:off x="0" y="0"/>
-          <a:ext cx="0" cy="0"/>
-          <a:chOff x="0" y="0"/>
-          <a:chExt cx="0" cy="0"/>
-        </a:xfrm>
-      </p:grpSpPr>
-      <p:sp>
-        <p:nvSpPr>
-          <p:cNvPr id="2" name="Slide Image Placeholder 1">
-            <a:extLst>
-              <a:ext uri="{FF2B5EF4-FFF2-40B4-BE49-F238E27FC236}">
-                <a16:creationId xmlns:a16="http://schemas.microsoft.com/office/drawing/2014/main" id="{053B6BAE-2AF4-3159-849B-8851C2EB6EF5}"/>
-              </a:ext>
-            </a:extLst>
-          </p:cNvPr>
-          <p:cNvSpPr>
-            <a:spLocks noGrp="1" noRot="1" noChangeAspect="1"/>
-          </p:cNvSpPr>
-          <p:nvPr>
-            <p:ph type="sldImg"/>
-          </p:nvPr>
-        </p:nvSpPr>
-        <p:spPr/>
-      </p:sp>
-      <p:sp>
-        <p:nvSpPr>
-          <p:cNvPr id="3" name="Notes Placeholder 2">
-            <a:extLst>
-              <a:ext uri="{FF2B5EF4-FFF2-40B4-BE49-F238E27FC236}">
-                <a16:creationId xmlns:a16="http://schemas.microsoft.com/office/drawing/2014/main" id="{68A05C5F-6F2C-BB90-155F-2B6F0ABBB0BA}"/>
-              </a:ext>
-            </a:extLst>
-          </p:cNvPr>
-          <p:cNvSpPr>
-            <a:spLocks noGrp="1"/>
-          </p:cNvSpPr>
-          <p:nvPr>
-            <p:ph type="body" idx="1"/>
-          </p:nvPr>
-        </p:nvSpPr>
-        <p:spPr/>
-        <p:txBody>
-          <a:bodyPr/>
-          <a:lstStyle/>
-          <a:p>
-            <a:endParaRPr lang="en-US"/>
-          </a:p>
-        </p:txBody>
-      </p:sp>
-      <p:sp>
-        <p:nvSpPr>
-          <p:cNvPr id="4" name="Slide Number Placeholder 3">
-            <a:extLst>
-              <a:ext uri="{FF2B5EF4-FFF2-40B4-BE49-F238E27FC236}">
-                <a16:creationId xmlns:a16="http://schemas.microsoft.com/office/drawing/2014/main" id="{89074682-BF69-9CB6-FAA8-803D196A68C1}"/>
-              </a:ext>
-            </a:extLst>
-          </p:cNvPr>
-          <p:cNvSpPr>
-            <a:spLocks noGrp="1"/>
-          </p:cNvSpPr>
-          <p:nvPr>
-            <p:ph type="sldNum" sz="quarter" idx="5"/>
-          </p:nvPr>
-        </p:nvSpPr>
-        <p:spPr/>
-        <p:txBody>
-          <a:bodyPr/>
-          <a:lstStyle/>
-          <a:p>
-            <a:fld id="{659E7695-2856-4E04-B435-7203877CB9AD}" type="slidenum">
-              <a:rPr lang="en-US" smtClean="0"/>
-              <a:t>9</a:t>
-            </a:fld>
-            <a:endParaRPr lang="en-US"/>
-          </a:p>
-        </p:txBody>
-      </p:sp>
-    </p:spTree>
-    <p:extLst>
-      <p:ext uri="{BB962C8B-B14F-4D97-AF65-F5344CB8AC3E}">
-        <p14:creationId xmlns:p14="http://schemas.microsoft.com/office/powerpoint/2010/main" val="4180182632"/>
       </p:ext>
     </p:extLst>
   </p:cSld>
@@ -5957,7 +5957,7 @@
         <p:cNvPr id="1" name="">
           <a:extLst>
             <a:ext uri="{FF2B5EF4-FFF2-40B4-BE49-F238E27FC236}">
-              <a16:creationId xmlns:a16="http://schemas.microsoft.com/office/drawing/2014/main" id="{6D071F35-E50E-2635-A502-B941A00F310D}"/>
+              <a16:creationId xmlns:a16="http://schemas.microsoft.com/office/drawing/2014/main" id="{C6ACE055-EDAB-23EB-133E-717C67524150}"/>
             </a:ext>
           </a:extLst>
         </p:cNvPr>
@@ -5977,7 +5977,7 @@
           <p:cNvPr id="3" name="TextBox 2">
             <a:extLst>
               <a:ext uri="{FF2B5EF4-FFF2-40B4-BE49-F238E27FC236}">
-                <a16:creationId xmlns:a16="http://schemas.microsoft.com/office/drawing/2014/main" id="{7791B097-C6AE-1897-14AB-18B0E67A94D5}"/>
+                <a16:creationId xmlns:a16="http://schemas.microsoft.com/office/drawing/2014/main" id="{44104DEC-877D-BE4B-CA6D-0A7BBF17560E}"/>
               </a:ext>
             </a:extLst>
           </p:cNvPr>
@@ -5987,7 +5987,7 @@
         <p:spPr>
           <a:xfrm>
             <a:off x="107004" y="158874"/>
-            <a:ext cx="11984477" cy="338554"/>
+            <a:ext cx="11984477" cy="4293483"/>
           </a:xfrm>
           <a:prstGeom prst="rect">
             <a:avLst/>
@@ -6004,16 +6004,327 @@
               <a:buNone/>
             </a:pPr>
             <a:r>
-              <a:rPr lang="en-US" sz="1600"/>
-              <a:t>.</a:t>
-            </a:r>
-          </a:p>
-        </p:txBody>
-      </p:sp>
+              <a:rPr lang="ru-RU" sz="1300" b="1"/>
+              <a:t>"</a:t>
+            </a:r>
+            <a:r>
+              <a:rPr lang="ru-RU" sz="1300" b="1">
+                <a:solidFill>
+                  <a:srgbClr val="FF0000"/>
+                </a:solidFill>
+              </a:rPr>
+              <a:t>Создание дашборда</a:t>
+            </a:r>
+            <a:r>
+              <a:rPr lang="ru-RU" sz="1300" b="1"/>
+              <a:t>" (</a:t>
+            </a:r>
+            <a:r>
+              <a:rPr lang="en-US" sz="1300" b="1"/>
+              <a:t>Dashboard Yaradılması)</a:t>
+            </a:r>
+            <a:r>
+              <a:rPr lang="en-US" sz="1300"/>
+              <a:t> bölməsi </a:t>
+            </a:r>
+            <a:r>
+              <a:rPr lang="en-US" sz="1300" b="1"/>
+              <a:t>Test IT</a:t>
+            </a:r>
+            <a:r>
+              <a:rPr lang="en-US" sz="1300"/>
+              <a:t> platformasında test prosesinin vəziyyətini vizual olaraq izləmək üçün istifadə edilir. Dashboard sənə real vaxt rejimində testlərin </a:t>
+            </a:r>
+            <a:r>
+              <a:rPr lang="az-Latn-AZ" sz="1300"/>
+              <a:t>qısa təsfirini</a:t>
+            </a:r>
+            <a:r>
+              <a:rPr lang="en-US" sz="1300"/>
+              <a:t>, statistik məlumatları və mühüm metrikaları göstərir.</a:t>
+            </a:r>
+            <a:endParaRPr lang="az-Latn-AZ" sz="1300"/>
+          </a:p>
+          <a:p>
+            <a:pPr>
+              <a:buNone/>
+            </a:pPr>
+            <a:endParaRPr lang="az-Latn-AZ" sz="1300"/>
+          </a:p>
+          <a:p>
+            <a:pPr>
+              <a:buNone/>
+            </a:pPr>
+            <a:r>
+              <a:rPr lang="en-US" sz="1300" b="1"/>
+              <a:t>📌 Dashboard nə üçündür?</a:t>
+            </a:r>
+          </a:p>
+          <a:p>
+            <a:pPr marL="285750" indent="-285750">
+              <a:buFont typeface="Arial" panose="020B0604020202020204" pitchFamily="34" charset="0"/>
+              <a:buChar char="•"/>
+            </a:pPr>
+            <a:r>
+              <a:rPr lang="en-US" sz="1300" b="1"/>
+              <a:t>Testlərin ümumi </a:t>
+            </a:r>
+            <a:r>
+              <a:rPr lang="az-Latn-AZ" sz="1300" b="1"/>
+              <a:t>təsfirini</a:t>
+            </a:r>
+            <a:r>
+              <a:rPr lang="en-US" sz="1300" b="1"/>
+              <a:t> göstərir</a:t>
+            </a:r>
+            <a:r>
+              <a:rPr lang="en-US" sz="1300"/>
+              <a:t> </a:t>
+            </a:r>
+            <a:r>
+              <a:rPr lang="az-Latn-AZ" sz="1300"/>
+              <a:t>		          </a:t>
+            </a:r>
+            <a:r>
+              <a:rPr lang="en-US" sz="1300"/>
+              <a:t>→ test run-ların nəticələri, keçmiş/fail olmuş testlərin faizi</a:t>
+            </a:r>
+          </a:p>
+          <a:p>
+            <a:pPr marL="285750" indent="-285750">
+              <a:buFont typeface="Arial" panose="020B0604020202020204" pitchFamily="34" charset="0"/>
+              <a:buChar char="•"/>
+            </a:pPr>
+            <a:r>
+              <a:rPr lang="en-US" sz="1300" b="1"/>
+              <a:t>Real vaxt rejimində statusu izləməyə imkan verir</a:t>
+            </a:r>
+            <a:r>
+              <a:rPr lang="en-US" sz="1300"/>
+              <a:t> </a:t>
+            </a:r>
+            <a:r>
+              <a:rPr lang="az-Latn-AZ" sz="1300"/>
+              <a:t>	          </a:t>
+            </a:r>
+            <a:r>
+              <a:rPr lang="en-US" sz="1300"/>
+              <a:t>→ hansı testlər tamamlandı, hansılar bloklandı və s.</a:t>
+            </a:r>
+          </a:p>
+          <a:p>
+            <a:pPr marL="285750" indent="-285750">
+              <a:buFont typeface="Arial" panose="020B0604020202020204" pitchFamily="34" charset="0"/>
+              <a:buChar char="•"/>
+            </a:pPr>
+            <a:r>
+              <a:rPr lang="en-US" sz="1300" b="1"/>
+              <a:t>Komandanın effektivliyini analiz etməyə kömək edir</a:t>
+            </a:r>
+            <a:r>
+              <a:rPr lang="en-US" sz="1300"/>
+              <a:t> </a:t>
+            </a:r>
+            <a:r>
+              <a:rPr lang="az-Latn-AZ" sz="1300"/>
+              <a:t>    </a:t>
+            </a:r>
+            <a:r>
+              <a:rPr lang="en-US" sz="1300"/>
+              <a:t>→ QA mühəndisləri hansı testləri daha tez-tez fail edir və s.</a:t>
+            </a:r>
+          </a:p>
+          <a:p>
+            <a:pPr marL="285750" indent="-285750">
+              <a:buFont typeface="Arial" panose="020B0604020202020204" pitchFamily="34" charset="0"/>
+              <a:buChar char="•"/>
+            </a:pPr>
+            <a:r>
+              <a:rPr lang="en-US" sz="1300" b="1"/>
+              <a:t>Müxtəlif layihələr üçün ayrıca panellər yarada bilərsən</a:t>
+            </a:r>
+            <a:r>
+              <a:rPr lang="en-US" sz="1300"/>
+              <a:t> → hər layihənin ayrıca test vəziyyətini görmək üçün</a:t>
+            </a:r>
+            <a:endParaRPr lang="az-Latn-AZ" sz="1300"/>
+          </a:p>
+          <a:p>
+            <a:pPr marL="285750" indent="-285750">
+              <a:buFont typeface="Arial" panose="020B0604020202020204" pitchFamily="34" charset="0"/>
+              <a:buChar char="•"/>
+            </a:pPr>
+            <a:endParaRPr lang="az-Latn-AZ" sz="1300"/>
+          </a:p>
+          <a:p>
+            <a:endParaRPr lang="az-Latn-AZ" sz="1300"/>
+          </a:p>
+          <a:p>
+            <a:pPr marL="285750" indent="-285750">
+              <a:buFont typeface="Arial" panose="020B0604020202020204" pitchFamily="34" charset="0"/>
+              <a:buChar char="•"/>
+            </a:pPr>
+            <a:endParaRPr lang="az-Latn-AZ" sz="1300"/>
+          </a:p>
+          <a:p>
+            <a:pPr>
+              <a:buNone/>
+            </a:pPr>
+            <a:r>
+              <a:rPr lang="en-US" sz="1300" b="1"/>
+              <a:t>📊 Dashboard-da nələr ola bilər?</a:t>
+            </a:r>
+          </a:p>
+          <a:p>
+            <a:pPr>
+              <a:buNone/>
+            </a:pPr>
+            <a:r>
+              <a:rPr lang="en-US" sz="1300"/>
+              <a:t>Dashboard-a </a:t>
+            </a:r>
+            <a:r>
+              <a:rPr lang="en-US" sz="1300" b="1"/>
+              <a:t>fərqli "vidjetlər" (widget) əlavə edə bilərsən</a:t>
+            </a:r>
+            <a:r>
+              <a:rPr lang="en-US" sz="1300"/>
+              <a:t>. Məsələn:</a:t>
+            </a:r>
+          </a:p>
+          <a:p>
+            <a:pPr lvl="1"/>
+            <a:r>
+              <a:rPr lang="en-US" sz="1300"/>
+              <a:t>📈 </a:t>
+            </a:r>
+            <a:r>
+              <a:rPr lang="en-US" sz="1300" b="1"/>
+              <a:t>Test Case Status</a:t>
+            </a:r>
+            <a:r>
+              <a:rPr lang="en-US" sz="1300"/>
+              <a:t> → Neçə test keçdi, neçə test fail oldu</a:t>
+            </a:r>
+          </a:p>
+          <a:p>
+            <a:pPr lvl="1"/>
+            <a:r>
+              <a:rPr lang="en-US" sz="1300"/>
+              <a:t>📊 </a:t>
+            </a:r>
+            <a:r>
+              <a:rPr lang="en-US" sz="1300" b="1"/>
+              <a:t>Test Run Progress</a:t>
+            </a:r>
+            <a:r>
+              <a:rPr lang="en-US" sz="1300"/>
+              <a:t> → Testlərin nə qədər tamamlandığını göstərir</a:t>
+            </a:r>
+          </a:p>
+          <a:p>
+            <a:pPr lvl="1"/>
+            <a:r>
+              <a:rPr lang="en-US" sz="1300"/>
+              <a:t>🛑 </a:t>
+            </a:r>
+            <a:r>
+              <a:rPr lang="en-US" sz="1300" b="1"/>
+              <a:t>Blocked Test Cases</a:t>
+            </a:r>
+            <a:r>
+              <a:rPr lang="en-US" sz="1300"/>
+              <a:t> → Bloklanmış testlər</a:t>
+            </a:r>
+          </a:p>
+          <a:p>
+            <a:pPr lvl="1"/>
+            <a:r>
+              <a:rPr lang="en-US" sz="1300"/>
+              <a:t>🔄 </a:t>
+            </a:r>
+            <a:r>
+              <a:rPr lang="en-US" sz="1300" b="1"/>
+              <a:t>Retests &amp; Failures</a:t>
+            </a:r>
+            <a:r>
+              <a:rPr lang="en-US" sz="1300"/>
+              <a:t> → Yenidən test olunan və fail olan testlər</a:t>
+            </a:r>
+          </a:p>
+          <a:p>
+            <a:pPr lvl="1"/>
+            <a:r>
+              <a:rPr lang="en-US" sz="1300"/>
+              <a:t>⏳ </a:t>
+            </a:r>
+            <a:r>
+              <a:rPr lang="en-US" sz="1300" b="1"/>
+              <a:t>Test Execution Time</a:t>
+            </a:r>
+            <a:r>
+              <a:rPr lang="en-US" sz="1300"/>
+              <a:t> → Testlərin icra müddəti</a:t>
+            </a:r>
+            <a:endParaRPr lang="az-Latn-AZ" sz="1300"/>
+          </a:p>
+          <a:p>
+            <a:pPr lvl="1"/>
+            <a:endParaRPr lang="az-Latn-AZ" sz="1300"/>
+          </a:p>
+          <a:p>
+            <a:pPr marL="0" lvl="1"/>
+            <a:endParaRPr lang="az-Latn-AZ" sz="1300"/>
+          </a:p>
+          <a:p>
+            <a:pPr marL="0" lvl="1"/>
+            <a:r>
+              <a:rPr lang="az-Latn-AZ" sz="1300"/>
+              <a:t>Ardı növbəti slaydda.....</a:t>
+            </a:r>
+          </a:p>
+        </p:txBody>
+      </p:sp>
+      <p:pic>
+        <p:nvPicPr>
+          <p:cNvPr id="4" name="Picture 3">
+            <a:extLst>
+              <a:ext uri="{FF2B5EF4-FFF2-40B4-BE49-F238E27FC236}">
+                <a16:creationId xmlns:a16="http://schemas.microsoft.com/office/drawing/2014/main" id="{504966D9-8AAA-6BAE-90DD-312EB8094E55}"/>
+              </a:ext>
+            </a:extLst>
+          </p:cNvPr>
+          <p:cNvPicPr>
+            <a:picLocks noChangeAspect="1"/>
+          </p:cNvPicPr>
+          <p:nvPr/>
+        </p:nvPicPr>
+        <p:blipFill>
+          <a:blip r:embed="rId3">
+            <a:extLst>
+              <a:ext uri="{28A0092B-C50C-407E-A947-70E740481C1C}">
+                <a14:useLocalDpi xmlns:a14="http://schemas.microsoft.com/office/drawing/2010/main" val="0"/>
+              </a:ext>
+            </a:extLst>
+          </a:blip>
+          <a:stretch>
+            <a:fillRect/>
+          </a:stretch>
+        </p:blipFill>
+        <p:spPr>
+          <a:xfrm>
+            <a:off x="0" y="4616359"/>
+            <a:ext cx="12192000" cy="2241641"/>
+          </a:xfrm>
+          <a:prstGeom prst="rect">
+            <a:avLst/>
+          </a:prstGeom>
+        </p:spPr>
+      </p:pic>
     </p:spTree>
     <p:extLst>
       <p:ext uri="{BB962C8B-B14F-4D97-AF65-F5344CB8AC3E}">
-        <p14:creationId xmlns:p14="http://schemas.microsoft.com/office/powerpoint/2010/main" val="506559743"/>
+        <p14:creationId xmlns:p14="http://schemas.microsoft.com/office/powerpoint/2010/main" val="50669184"/>
       </p:ext>
     </p:extLst>
   </p:cSld>
@@ -6024,6 +6335,129 @@
 </file>
 
 <file path=ppt/slides/slide10.xml><?xml version="1.0" encoding="utf-8"?>
+<p:sld xmlns:a="http://schemas.openxmlformats.org/drawingml/2006/main" xmlns:r="http://schemas.openxmlformats.org/officeDocument/2006/relationships" xmlns:p="http://schemas.openxmlformats.org/presentationml/2006/main">
+  <p:cSld>
+    <p:spTree>
+      <p:nvGrpSpPr>
+        <p:cNvPr id="1" name="">
+          <a:extLst>
+            <a:ext uri="{FF2B5EF4-FFF2-40B4-BE49-F238E27FC236}">
+              <a16:creationId xmlns:a16="http://schemas.microsoft.com/office/drawing/2014/main" id="{DA4EBA38-02AD-103E-153E-B222795507BC}"/>
+            </a:ext>
+          </a:extLst>
+        </p:cNvPr>
+        <p:cNvGrpSpPr/>
+        <p:nvPr/>
+      </p:nvGrpSpPr>
+      <p:grpSpPr>
+        <a:xfrm>
+          <a:off x="0" y="0"/>
+          <a:ext cx="0" cy="0"/>
+          <a:chOff x="0" y="0"/>
+          <a:chExt cx="0" cy="0"/>
+        </a:xfrm>
+      </p:grpSpPr>
+      <p:sp>
+        <p:nvSpPr>
+          <p:cNvPr id="3" name="TextBox 2">
+            <a:extLst>
+              <a:ext uri="{FF2B5EF4-FFF2-40B4-BE49-F238E27FC236}">
+                <a16:creationId xmlns:a16="http://schemas.microsoft.com/office/drawing/2014/main" id="{4F413AC5-675F-42EB-63AD-2E07FB1CA07B}"/>
+              </a:ext>
+            </a:extLst>
+          </p:cNvPr>
+          <p:cNvSpPr txBox="1"/>
+          <p:nvPr/>
+        </p:nvSpPr>
+        <p:spPr>
+          <a:xfrm>
+            <a:off x="107004" y="158874"/>
+            <a:ext cx="11984477" cy="584775"/>
+          </a:xfrm>
+          <a:prstGeom prst="rect">
+            <a:avLst/>
+          </a:prstGeom>
+          <a:noFill/>
+        </p:spPr>
+        <p:txBody>
+          <a:bodyPr wrap="square">
+            <a:spAutoFit/>
+          </a:bodyPr>
+          <a:lstStyle/>
+          <a:p>
+            <a:pPr>
+              <a:buNone/>
+            </a:pPr>
+            <a:r>
+              <a:rPr lang="en-US" sz="1600"/>
+              <a:t>Sonra parametrl</a:t>
+            </a:r>
+            <a:r>
+              <a:rPr lang="az-Latn-AZ" sz="1600"/>
+              <a:t>ər əlavə edirik və bu parametrləri nə qədər istəsək istifadə edə bilərik. </a:t>
+            </a:r>
+            <a:r>
+              <a:rPr lang="en-US" sz="1600"/>
+              <a:t> </a:t>
+            </a:r>
+            <a:r>
+              <a:rPr lang="az-Latn-AZ" sz="1600"/>
+              <a:t>Parametrlər əlavə etdikdən sonra səhifənin necə görünəcəyi növbəti slaydda....</a:t>
+            </a:r>
+            <a:endParaRPr lang="en-US" sz="1600"/>
+          </a:p>
+        </p:txBody>
+      </p:sp>
+      <p:pic>
+        <p:nvPicPr>
+          <p:cNvPr id="4" name="Picture 3">
+            <a:extLst>
+              <a:ext uri="{FF2B5EF4-FFF2-40B4-BE49-F238E27FC236}">
+                <a16:creationId xmlns:a16="http://schemas.microsoft.com/office/drawing/2014/main" id="{AF146612-2320-576F-4C76-503148DF4746}"/>
+              </a:ext>
+            </a:extLst>
+          </p:cNvPr>
+          <p:cNvPicPr>
+            <a:picLocks noChangeAspect="1"/>
+          </p:cNvPicPr>
+          <p:nvPr/>
+        </p:nvPicPr>
+        <p:blipFill>
+          <a:blip r:embed="rId3">
+            <a:extLst>
+              <a:ext uri="{28A0092B-C50C-407E-A947-70E740481C1C}">
+                <a14:useLocalDpi xmlns:a14="http://schemas.microsoft.com/office/drawing/2010/main" val="0"/>
+              </a:ext>
+            </a:extLst>
+          </a:blip>
+          <a:stretch>
+            <a:fillRect/>
+          </a:stretch>
+        </p:blipFill>
+        <p:spPr>
+          <a:xfrm>
+            <a:off x="-14293" y="1324947"/>
+            <a:ext cx="12206293" cy="5533053"/>
+          </a:xfrm>
+          <a:prstGeom prst="rect">
+            <a:avLst/>
+          </a:prstGeom>
+        </p:spPr>
+      </p:pic>
+    </p:spTree>
+    <p:extLst>
+      <p:ext uri="{BB962C8B-B14F-4D97-AF65-F5344CB8AC3E}">
+        <p14:creationId xmlns:p14="http://schemas.microsoft.com/office/powerpoint/2010/main" val="2051594611"/>
+      </p:ext>
+    </p:extLst>
+  </p:cSld>
+  <p:clrMapOvr>
+    <a:masterClrMapping/>
+  </p:clrMapOvr>
+</p:sld>
+</file>
+
+<file path=ppt/slides/slide11.xml><?xml version="1.0" encoding="utf-8"?>
 <p:sld xmlns:a="http://schemas.openxmlformats.org/drawingml/2006/main" xmlns:r="http://schemas.openxmlformats.org/officeDocument/2006/relationships" xmlns:p="http://schemas.openxmlformats.org/presentationml/2006/main">
   <p:cSld>
     <p:spTree>
@@ -6046,44 +6480,113 @@
           <a:chExt cx="0" cy="0"/>
         </a:xfrm>
       </p:grpSpPr>
-      <p:sp>
-        <p:nvSpPr>
-          <p:cNvPr id="3" name="TextBox 2">
-            <a:extLst>
-              <a:ext uri="{FF2B5EF4-FFF2-40B4-BE49-F238E27FC236}">
-                <a16:creationId xmlns:a16="http://schemas.microsoft.com/office/drawing/2014/main" id="{4D8C3FA6-82C0-140C-3574-EEBBA30357C1}"/>
-              </a:ext>
-            </a:extLst>
-          </p:cNvPr>
-          <p:cNvSpPr txBox="1"/>
+      <p:pic>
+        <p:nvPicPr>
+          <p:cNvPr id="4" name="Picture 3">
+            <a:extLst>
+              <a:ext uri="{FF2B5EF4-FFF2-40B4-BE49-F238E27FC236}">
+                <a16:creationId xmlns:a16="http://schemas.microsoft.com/office/drawing/2014/main" id="{9330813C-C793-EFB6-CCB8-F3B0F4571C27}"/>
+              </a:ext>
+            </a:extLst>
+          </p:cNvPr>
+          <p:cNvPicPr>
+            <a:picLocks noChangeAspect="1"/>
+          </p:cNvPicPr>
           <p:nvPr/>
-        </p:nvSpPr>
+        </p:nvPicPr>
+        <p:blipFill>
+          <a:blip r:embed="rId3">
+            <a:extLst>
+              <a:ext uri="{28A0092B-C50C-407E-A947-70E740481C1C}">
+                <a14:useLocalDpi xmlns:a14="http://schemas.microsoft.com/office/drawing/2010/main" val="0"/>
+              </a:ext>
+            </a:extLst>
+          </a:blip>
+          <a:stretch>
+            <a:fillRect/>
+          </a:stretch>
+        </p:blipFill>
         <p:spPr>
           <a:xfrm>
-            <a:off x="107004" y="158874"/>
-            <a:ext cx="11984477" cy="338554"/>
+            <a:off x="0" y="1"/>
+            <a:ext cx="4907902" cy="4122750"/>
           </a:xfrm>
           <a:prstGeom prst="rect">
             <a:avLst/>
           </a:prstGeom>
-          <a:noFill/>
         </p:spPr>
-        <p:txBody>
-          <a:bodyPr wrap="square">
-            <a:spAutoFit/>
-          </a:bodyPr>
-          <a:lstStyle/>
-          <a:p>
-            <a:pPr>
-              <a:buNone/>
-            </a:pPr>
-            <a:r>
-              <a:rPr lang="en-US" sz="1600"/>
-              <a:t>.</a:t>
-            </a:r>
-          </a:p>
-        </p:txBody>
-      </p:sp>
+      </p:pic>
+      <p:pic>
+        <p:nvPicPr>
+          <p:cNvPr id="6" name="Picture 5">
+            <a:extLst>
+              <a:ext uri="{FF2B5EF4-FFF2-40B4-BE49-F238E27FC236}">
+                <a16:creationId xmlns:a16="http://schemas.microsoft.com/office/drawing/2014/main" id="{24DDE1DB-D4BF-1359-EED1-C9F181854274}"/>
+              </a:ext>
+            </a:extLst>
+          </p:cNvPr>
+          <p:cNvPicPr>
+            <a:picLocks noChangeAspect="1"/>
+          </p:cNvPicPr>
+          <p:nvPr/>
+        </p:nvPicPr>
+        <p:blipFill>
+          <a:blip r:embed="rId4">
+            <a:extLst>
+              <a:ext uri="{28A0092B-C50C-407E-A947-70E740481C1C}">
+                <a14:useLocalDpi xmlns:a14="http://schemas.microsoft.com/office/drawing/2010/main" val="0"/>
+              </a:ext>
+            </a:extLst>
+          </a:blip>
+          <a:stretch>
+            <a:fillRect/>
+          </a:stretch>
+        </p:blipFill>
+        <p:spPr>
+          <a:xfrm>
+            <a:off x="6913984" y="1"/>
+            <a:ext cx="5278016" cy="4124090"/>
+          </a:xfrm>
+          <a:prstGeom prst="rect">
+            <a:avLst/>
+          </a:prstGeom>
+        </p:spPr>
+      </p:pic>
+      <p:pic>
+        <p:nvPicPr>
+          <p:cNvPr id="8" name="Picture 7">
+            <a:extLst>
+              <a:ext uri="{FF2B5EF4-FFF2-40B4-BE49-F238E27FC236}">
+                <a16:creationId xmlns:a16="http://schemas.microsoft.com/office/drawing/2014/main" id="{236B21ED-7EA9-FE93-EC3F-A273E6DBE514}"/>
+              </a:ext>
+            </a:extLst>
+          </p:cNvPr>
+          <p:cNvPicPr>
+            <a:picLocks noChangeAspect="1"/>
+          </p:cNvPicPr>
+          <p:nvPr/>
+        </p:nvPicPr>
+        <p:blipFill>
+          <a:blip r:embed="rId5">
+            <a:extLst>
+              <a:ext uri="{28A0092B-C50C-407E-A947-70E740481C1C}">
+                <a14:useLocalDpi xmlns:a14="http://schemas.microsoft.com/office/drawing/2010/main" val="0"/>
+              </a:ext>
+            </a:extLst>
+          </a:blip>
+          <a:srcRect b="23000"/>
+          <a:stretch/>
+        </p:blipFill>
+        <p:spPr>
+          <a:xfrm>
+            <a:off x="0" y="4202788"/>
+            <a:ext cx="12192000" cy="2655212"/>
+          </a:xfrm>
+          <a:prstGeom prst="rect">
+            <a:avLst/>
+          </a:prstGeom>
+        </p:spPr>
+      </p:pic>
     </p:spTree>
     <p:extLst>
       <p:ext uri="{BB962C8B-B14F-4D97-AF65-F5344CB8AC3E}">
@@ -6097,7 +6600,7 @@
 </p:sld>
 </file>
 
-<file path=ppt/slides/slide11.xml><?xml version="1.0" encoding="utf-8"?>
+<file path=ppt/slides/slide12.xml><?xml version="1.0" encoding="utf-8"?>
 <p:sld xmlns:a="http://schemas.openxmlformats.org/drawingml/2006/main" xmlns:r="http://schemas.openxmlformats.org/officeDocument/2006/relationships" xmlns:p="http://schemas.openxmlformats.org/presentationml/2006/main">
   <p:cSld>
     <p:spTree>
@@ -6134,7 +6637,7 @@
         </p:nvSpPr>
         <p:spPr>
           <a:xfrm>
-            <a:off x="107004" y="158874"/>
+            <a:off x="103761" y="252180"/>
             <a:ext cx="11984477" cy="338554"/>
           </a:xfrm>
           <a:prstGeom prst="rect">
@@ -6152,12 +6655,49 @@
               <a:buNone/>
             </a:pPr>
             <a:r>
-              <a:rPr lang="en-US" sz="1600"/>
-              <a:t>.</a:t>
-            </a:r>
-          </a:p>
-        </p:txBody>
-      </p:sp>
+              <a:rPr lang="az-Latn-AZ" sz="1600"/>
+              <a:t>Parametrlərdə əlavə etdikdən sonra yeni proyekt yarada bilərik. </a:t>
+            </a:r>
+            <a:endParaRPr lang="en-US" sz="1600"/>
+          </a:p>
+        </p:txBody>
+      </p:sp>
+      <p:pic>
+        <p:nvPicPr>
+          <p:cNvPr id="6" name="Picture 5">
+            <a:extLst>
+              <a:ext uri="{FF2B5EF4-FFF2-40B4-BE49-F238E27FC236}">
+                <a16:creationId xmlns:a16="http://schemas.microsoft.com/office/drawing/2014/main" id="{B8950094-BE6C-D1F1-4454-342D453BACEB}"/>
+              </a:ext>
+            </a:extLst>
+          </p:cNvPr>
+          <p:cNvPicPr>
+            <a:picLocks noChangeAspect="1"/>
+          </p:cNvPicPr>
+          <p:nvPr/>
+        </p:nvPicPr>
+        <p:blipFill>
+          <a:blip r:embed="rId3">
+            <a:extLst>
+              <a:ext uri="{28A0092B-C50C-407E-A947-70E740481C1C}">
+                <a14:useLocalDpi xmlns:a14="http://schemas.microsoft.com/office/drawing/2010/main" val="0"/>
+              </a:ext>
+            </a:extLst>
+          </a:blip>
+          <a:stretch>
+            <a:fillRect/>
+          </a:stretch>
+        </p:blipFill>
+        <p:spPr>
+          <a:xfrm>
+            <a:off x="0" y="842818"/>
+            <a:ext cx="12192000" cy="5172363"/>
+          </a:xfrm>
+          <a:prstGeom prst="rect">
+            <a:avLst/>
+          </a:prstGeom>
+        </p:spPr>
+      </p:pic>
     </p:spTree>
     <p:extLst>
       <p:ext uri="{BB962C8B-B14F-4D97-AF65-F5344CB8AC3E}">
@@ -6171,7 +6711,7 @@
 </p:sld>
 </file>
 
-<file path=ppt/slides/slide12.xml><?xml version="1.0" encoding="utf-8"?>
+<file path=ppt/slides/slide13.xml><?xml version="1.0" encoding="utf-8"?>
 <p:sld xmlns:a="http://schemas.openxmlformats.org/drawingml/2006/main" xmlns:r="http://schemas.openxmlformats.org/officeDocument/2006/relationships" xmlns:p="http://schemas.openxmlformats.org/presentationml/2006/main">
   <p:cSld>
     <p:spTree>
@@ -6208,8 +6748,8 @@
         </p:nvSpPr>
         <p:spPr>
           <a:xfrm>
-            <a:off x="107004" y="158874"/>
-            <a:ext cx="11984477" cy="338554"/>
+            <a:off x="103761" y="102890"/>
+            <a:ext cx="11984477" cy="276999"/>
           </a:xfrm>
           <a:prstGeom prst="rect">
             <a:avLst/>
@@ -6226,12 +6766,73 @@
               <a:buNone/>
             </a:pPr>
             <a:r>
-              <a:rPr lang="en-US" sz="1600"/>
-              <a:t>.</a:t>
-            </a:r>
-          </a:p>
-        </p:txBody>
-      </p:sp>
+              <a:rPr lang="az-Latn-AZ" sz="1200"/>
+              <a:t>Artıq yeni </a:t>
+            </a:r>
+            <a:r>
+              <a:rPr lang="az-Latn-AZ" sz="1200" b="1"/>
+              <a:t>test-case</a:t>
+            </a:r>
+            <a:r>
+              <a:rPr lang="az-Latn-AZ" sz="1200"/>
+              <a:t>, </a:t>
+            </a:r>
+            <a:r>
+              <a:rPr lang="az-Latn-AZ" sz="1200" b="1"/>
+              <a:t>check-list</a:t>
+            </a:r>
+            <a:r>
+              <a:rPr lang="az-Latn-AZ" sz="1200"/>
+              <a:t>, </a:t>
+            </a:r>
+            <a:r>
+              <a:rPr lang="az-Latn-AZ" sz="1200" b="1"/>
+              <a:t>seksiyalar</a:t>
+            </a:r>
+            <a:r>
+              <a:rPr lang="az-Latn-AZ" sz="1200"/>
+              <a:t> və.s yarada bilərik....</a:t>
+            </a:r>
+            <a:endParaRPr lang="en-US" sz="1200"/>
+          </a:p>
+        </p:txBody>
+      </p:sp>
+      <p:pic>
+        <p:nvPicPr>
+          <p:cNvPr id="4" name="Picture 3">
+            <a:extLst>
+              <a:ext uri="{FF2B5EF4-FFF2-40B4-BE49-F238E27FC236}">
+                <a16:creationId xmlns:a16="http://schemas.microsoft.com/office/drawing/2014/main" id="{5A2EB07E-A99E-E159-46C5-4CD253CB7A49}"/>
+              </a:ext>
+            </a:extLst>
+          </p:cNvPr>
+          <p:cNvPicPr>
+            <a:picLocks noChangeAspect="1"/>
+          </p:cNvPicPr>
+          <p:nvPr/>
+        </p:nvPicPr>
+        <p:blipFill>
+          <a:blip r:embed="rId3">
+            <a:extLst>
+              <a:ext uri="{28A0092B-C50C-407E-A947-70E740481C1C}">
+                <a14:useLocalDpi xmlns:a14="http://schemas.microsoft.com/office/drawing/2010/main" val="0"/>
+              </a:ext>
+            </a:extLst>
+          </a:blip>
+          <a:stretch>
+            <a:fillRect/>
+          </a:stretch>
+        </p:blipFill>
+        <p:spPr>
+          <a:xfrm>
+            <a:off x="0" y="564011"/>
+            <a:ext cx="12192000" cy="6293989"/>
+          </a:xfrm>
+          <a:prstGeom prst="rect">
+            <a:avLst/>
+          </a:prstGeom>
+        </p:spPr>
+      </p:pic>
     </p:spTree>
     <p:extLst>
       <p:ext uri="{BB962C8B-B14F-4D97-AF65-F5344CB8AC3E}">
@@ -6245,7 +6846,7 @@
 </p:sld>
 </file>
 
-<file path=ppt/slides/slide13.xml><?xml version="1.0" encoding="utf-8"?>
+<file path=ppt/slides/slide14.xml><?xml version="1.0" encoding="utf-8"?>
 <p:sld xmlns:a="http://schemas.openxmlformats.org/drawingml/2006/main" xmlns:r="http://schemas.openxmlformats.org/officeDocument/2006/relationships" xmlns:p="http://schemas.openxmlformats.org/presentationml/2006/main">
   <p:cSld>
     <p:spTree>
@@ -6282,7 +6883,7 @@
         </p:nvSpPr>
         <p:spPr>
           <a:xfrm>
-            <a:off x="107004" y="158874"/>
+            <a:off x="103761" y="74899"/>
             <a:ext cx="11984477" cy="338554"/>
           </a:xfrm>
           <a:prstGeom prst="rect">
@@ -6300,12 +6901,49 @@
               <a:buNone/>
             </a:pPr>
             <a:r>
-              <a:rPr lang="en-US" sz="1600"/>
-              <a:t>.</a:t>
-            </a:r>
-          </a:p>
-        </p:txBody>
-      </p:sp>
+              <a:rPr lang="az-Latn-AZ" sz="1600"/>
+              <a:t>Əvvəl yaratdığımız parametrləri əlavə etmək üçün isə, konstruksiyaya uyğun hərəkət etmək lazımdır....</a:t>
+            </a:r>
+            <a:endParaRPr lang="en-US" sz="1600"/>
+          </a:p>
+        </p:txBody>
+      </p:sp>
+      <p:pic>
+        <p:nvPicPr>
+          <p:cNvPr id="4" name="Picture 3">
+            <a:extLst>
+              <a:ext uri="{FF2B5EF4-FFF2-40B4-BE49-F238E27FC236}">
+                <a16:creationId xmlns:a16="http://schemas.microsoft.com/office/drawing/2014/main" id="{E4112B2E-911A-1CA4-9A97-AB166B3EF6F2}"/>
+              </a:ext>
+            </a:extLst>
+          </p:cNvPr>
+          <p:cNvPicPr>
+            <a:picLocks noChangeAspect="1"/>
+          </p:cNvPicPr>
+          <p:nvPr/>
+        </p:nvPicPr>
+        <p:blipFill>
+          <a:blip r:embed="rId3">
+            <a:extLst>
+              <a:ext uri="{28A0092B-C50C-407E-A947-70E740481C1C}">
+                <a14:useLocalDpi xmlns:a14="http://schemas.microsoft.com/office/drawing/2010/main" val="0"/>
+              </a:ext>
+            </a:extLst>
+          </a:blip>
+          <a:stretch>
+            <a:fillRect/>
+          </a:stretch>
+        </p:blipFill>
+        <p:spPr>
+          <a:xfrm>
+            <a:off x="0" y="497428"/>
+            <a:ext cx="12192000" cy="6377675"/>
+          </a:xfrm>
+          <a:prstGeom prst="rect">
+            <a:avLst/>
+          </a:prstGeom>
+        </p:spPr>
+      </p:pic>
     </p:spTree>
     <p:extLst>
       <p:ext uri="{BB962C8B-B14F-4D97-AF65-F5344CB8AC3E}">
@@ -6319,7 +6957,7 @@
 </p:sld>
 </file>
 
-<file path=ppt/slides/slide14.xml><?xml version="1.0" encoding="utf-8"?>
+<file path=ppt/slides/slide15.xml><?xml version="1.0" encoding="utf-8"?>
 <p:sld xmlns:a="http://schemas.openxmlformats.org/drawingml/2006/main" xmlns:r="http://schemas.openxmlformats.org/officeDocument/2006/relationships" xmlns:p="http://schemas.openxmlformats.org/presentationml/2006/main">
   <p:cSld>
     <p:spTree>
@@ -6356,7 +6994,7 @@
         </p:nvSpPr>
         <p:spPr>
           <a:xfrm>
-            <a:off x="107004" y="158874"/>
+            <a:off x="103761" y="93560"/>
             <a:ext cx="11984477" cy="338554"/>
           </a:xfrm>
           <a:prstGeom prst="rect">
@@ -6374,12 +7012,57 @@
               <a:buNone/>
             </a:pPr>
             <a:r>
-              <a:rPr lang="en-US" sz="1600"/>
-              <a:t>.</a:t>
-            </a:r>
-          </a:p>
-        </p:txBody>
-      </p:sp>
+              <a:rPr lang="az-Latn-AZ" sz="1600"/>
+              <a:t>Ümumi addımlarda aşağı şəkildə göstərildiyi kimi yaranır və bu addımları da, </a:t>
+            </a:r>
+            <a:r>
+              <a:rPr lang="az-Latn-AZ" sz="1600" b="1"/>
+              <a:t>test case</a:t>
+            </a:r>
+            <a:r>
+              <a:rPr lang="az-Latn-AZ" sz="1600"/>
+              <a:t>-lərə əlavə etmək olur. Növbəti şəkil....</a:t>
+            </a:r>
+            <a:endParaRPr lang="en-US" sz="1600"/>
+          </a:p>
+        </p:txBody>
+      </p:sp>
+      <p:pic>
+        <p:nvPicPr>
+          <p:cNvPr id="4" name="Picture 3">
+            <a:extLst>
+              <a:ext uri="{FF2B5EF4-FFF2-40B4-BE49-F238E27FC236}">
+                <a16:creationId xmlns:a16="http://schemas.microsoft.com/office/drawing/2014/main" id="{607E906A-8EC9-8F64-E877-F40332009510}"/>
+              </a:ext>
+            </a:extLst>
+          </p:cNvPr>
+          <p:cNvPicPr>
+            <a:picLocks noChangeAspect="1"/>
+          </p:cNvPicPr>
+          <p:nvPr/>
+        </p:nvPicPr>
+        <p:blipFill>
+          <a:blip r:embed="rId3">
+            <a:extLst>
+              <a:ext uri="{28A0092B-C50C-407E-A947-70E740481C1C}">
+                <a14:useLocalDpi xmlns:a14="http://schemas.microsoft.com/office/drawing/2010/main" val="0"/>
+              </a:ext>
+            </a:extLst>
+          </a:blip>
+          <a:stretch>
+            <a:fillRect/>
+          </a:stretch>
+        </p:blipFill>
+        <p:spPr>
+          <a:xfrm>
+            <a:off x="0" y="497428"/>
+            <a:ext cx="12192000" cy="6336769"/>
+          </a:xfrm>
+          <a:prstGeom prst="rect">
+            <a:avLst/>
+          </a:prstGeom>
+        </p:spPr>
+      </p:pic>
     </p:spTree>
     <p:extLst>
       <p:ext uri="{BB962C8B-B14F-4D97-AF65-F5344CB8AC3E}">
@@ -6393,7 +7076,7 @@
 </p:sld>
 </file>
 
-<file path=ppt/slides/slide15.xml><?xml version="1.0" encoding="utf-8"?>
+<file path=ppt/slides/slide16.xml><?xml version="1.0" encoding="utf-8"?>
 <p:sld xmlns:a="http://schemas.openxmlformats.org/drawingml/2006/main" xmlns:r="http://schemas.openxmlformats.org/officeDocument/2006/relationships" xmlns:p="http://schemas.openxmlformats.org/presentationml/2006/main">
   <p:cSld>
     <p:spTree>
@@ -6448,12 +7131,63 @@
               <a:buNone/>
             </a:pPr>
             <a:r>
-              <a:rPr lang="en-US" sz="1600"/>
-              <a:t>.</a:t>
-            </a:r>
-          </a:p>
-        </p:txBody>
-      </p:sp>
+              <a:rPr lang="az-Latn-AZ" sz="1600"/>
+              <a:t>Aşağıdakı kimi əvvəlcədən təyin edilən addımları test-case -lərə əlavə edə bilərik.</a:t>
+            </a:r>
+            <a:endParaRPr lang="en-US" sz="1600"/>
+          </a:p>
+        </p:txBody>
+      </p:sp>
+      <p:pic>
+        <p:nvPicPr>
+          <p:cNvPr id="4" name="Picture 3">
+            <a:extLst>
+              <a:ext uri="{FF2B5EF4-FFF2-40B4-BE49-F238E27FC236}">
+                <a16:creationId xmlns:a16="http://schemas.microsoft.com/office/drawing/2014/main" id="{0E37E10B-DA5F-D3AE-8E4C-7AB71134CDC5}"/>
+              </a:ext>
+            </a:extLst>
+          </p:cNvPr>
+          <p:cNvPicPr>
+            <a:picLocks noChangeAspect="1"/>
+          </p:cNvPicPr>
+          <p:nvPr/>
+        </p:nvPicPr>
+        <p:blipFill>
+          <a:blip r:embed="rId3">
+            <a:extLst>
+              <a:ext uri="{28A0092B-C50C-407E-A947-70E740481C1C}">
+                <a14:useLocalDpi xmlns:a14="http://schemas.microsoft.com/office/drawing/2010/main" val="0"/>
+              </a:ext>
+            </a:extLst>
+          </a:blip>
+          <a:stretch>
+            <a:fillRect/>
+          </a:stretch>
+        </p:blipFill>
+        <p:spPr>
+          <a:xfrm>
+            <a:off x="0" y="2375648"/>
+            <a:ext cx="12192000" cy="4482352"/>
+          </a:xfrm>
+          <a:prstGeom prst="rect">
+            <a:avLst/>
+          </a:prstGeom>
+          <a:ln w="38100" cap="sq">
+            <a:solidFill>
+              <a:srgbClr val="000000"/>
+            </a:solidFill>
+            <a:prstDash val="solid"/>
+            <a:miter lim="800000"/>
+          </a:ln>
+          <a:effectLst>
+            <a:outerShdw blurRad="50800" dist="38100" dir="2700000" algn="tl" rotWithShape="0">
+              <a:srgbClr val="000000">
+                <a:alpha val="43000"/>
+              </a:srgbClr>
+            </a:outerShdw>
+          </a:effectLst>
+        </p:spPr>
+      </p:pic>
     </p:spTree>
     <p:extLst>
       <p:ext uri="{BB962C8B-B14F-4D97-AF65-F5344CB8AC3E}">
@@ -6467,7 +7201,7 @@
 </p:sld>
 </file>
 
-<file path=ppt/slides/slide16.xml><?xml version="1.0" encoding="utf-8"?>
+<file path=ppt/slides/slide17.xml><?xml version="1.0" encoding="utf-8"?>
 <p:sld xmlns:a="http://schemas.openxmlformats.org/drawingml/2006/main" xmlns:r="http://schemas.openxmlformats.org/officeDocument/2006/relationships" xmlns:p="http://schemas.openxmlformats.org/presentationml/2006/main">
   <p:cSld>
     <p:spTree>
@@ -6541,7 +7275,7 @@
 </p:sld>
 </file>
 
-<file path=ppt/slides/slide17.xml><?xml version="1.0" encoding="utf-8"?>
+<file path=ppt/slides/slide18.xml><?xml version="1.0" encoding="utf-8"?>
 <p:sld xmlns:a="http://schemas.openxmlformats.org/drawingml/2006/main" xmlns:r="http://schemas.openxmlformats.org/officeDocument/2006/relationships" xmlns:p="http://schemas.openxmlformats.org/presentationml/2006/main">
   <p:cSld>
     <p:spTree>
@@ -6615,7 +7349,7 @@
 </p:sld>
 </file>
 
-<file path=ppt/slides/slide18.xml><?xml version="1.0" encoding="utf-8"?>
+<file path=ppt/slides/slide19.xml><?xml version="1.0" encoding="utf-8"?>
 <p:sld xmlns:a="http://schemas.openxmlformats.org/drawingml/2006/main" xmlns:r="http://schemas.openxmlformats.org/officeDocument/2006/relationships" xmlns:p="http://schemas.openxmlformats.org/presentationml/2006/main">
   <p:cSld>
     <p:spTree>
@@ -6689,7 +7423,337 @@
 </p:sld>
 </file>
 
-<file path=ppt/slides/slide19.xml><?xml version="1.0" encoding="utf-8"?>
+<file path=ppt/slides/slide2.xml><?xml version="1.0" encoding="utf-8"?>
+<p:sld xmlns:a="http://schemas.openxmlformats.org/drawingml/2006/main" xmlns:r="http://schemas.openxmlformats.org/officeDocument/2006/relationships" xmlns:p="http://schemas.openxmlformats.org/presentationml/2006/main">
+  <p:cSld>
+    <p:spTree>
+      <p:nvGrpSpPr>
+        <p:cNvPr id="1" name="">
+          <a:extLst>
+            <a:ext uri="{FF2B5EF4-FFF2-40B4-BE49-F238E27FC236}">
+              <a16:creationId xmlns:a16="http://schemas.microsoft.com/office/drawing/2014/main" id="{6D071F35-E50E-2635-A502-B941A00F310D}"/>
+            </a:ext>
+          </a:extLst>
+        </p:cNvPr>
+        <p:cNvGrpSpPr/>
+        <p:nvPr/>
+      </p:nvGrpSpPr>
+      <p:grpSpPr>
+        <a:xfrm>
+          <a:off x="0" y="0"/>
+          <a:ext cx="0" cy="0"/>
+          <a:chOff x="0" y="0"/>
+          <a:chExt cx="0" cy="0"/>
+        </a:xfrm>
+      </p:grpSpPr>
+      <p:sp>
+        <p:nvSpPr>
+          <p:cNvPr id="3" name="TextBox 2">
+            <a:extLst>
+              <a:ext uri="{FF2B5EF4-FFF2-40B4-BE49-F238E27FC236}">
+                <a16:creationId xmlns:a16="http://schemas.microsoft.com/office/drawing/2014/main" id="{7791B097-C6AE-1897-14AB-18B0E67A94D5}"/>
+              </a:ext>
+            </a:extLst>
+          </p:cNvPr>
+          <p:cNvSpPr txBox="1"/>
+          <p:nvPr/>
+        </p:nvSpPr>
+        <p:spPr>
+          <a:xfrm>
+            <a:off x="107004" y="158874"/>
+            <a:ext cx="11984477" cy="5016758"/>
+          </a:xfrm>
+          <a:prstGeom prst="rect">
+            <a:avLst/>
+          </a:prstGeom>
+          <a:noFill/>
+        </p:spPr>
+        <p:txBody>
+          <a:bodyPr wrap="square">
+            <a:spAutoFit/>
+          </a:bodyPr>
+          <a:lstStyle/>
+          <a:p>
+            <a:pPr>
+              <a:buNone/>
+            </a:pPr>
+            <a:r>
+              <a:rPr lang="en-US" sz="1600" b="1"/>
+              <a:t>🔹 Nə vaxt istifadə etməlisən?</a:t>
+            </a:r>
+          </a:p>
+          <a:p>
+            <a:pPr marL="285750" indent="-285750">
+              <a:buFont typeface="Arial" panose="020B0604020202020204" pitchFamily="34" charset="0"/>
+              <a:buChar char="•"/>
+            </a:pPr>
+            <a:r>
+              <a:rPr lang="en-US" sz="1600"/>
+              <a:t>Test prosesinə </a:t>
+            </a:r>
+            <a:r>
+              <a:rPr lang="en-US" sz="1600" b="1"/>
+              <a:t>vizual nəzarət</a:t>
+            </a:r>
+            <a:r>
+              <a:rPr lang="en-US" sz="1600"/>
+              <a:t> etmək istədikdə</a:t>
+            </a:r>
+          </a:p>
+          <a:p>
+            <a:pPr marL="285750" indent="-285750">
+              <a:buFont typeface="Arial" panose="020B0604020202020204" pitchFamily="34" charset="0"/>
+              <a:buChar char="•"/>
+            </a:pPr>
+            <a:r>
+              <a:rPr lang="en-US" sz="1600" b="1"/>
+              <a:t>Komanda və rəhbərlik</a:t>
+            </a:r>
+            <a:r>
+              <a:rPr lang="en-US" sz="1600"/>
+              <a:t> üçün testlər haqqında </a:t>
+            </a:r>
+            <a:r>
+              <a:rPr lang="en-US" sz="1600" b="1"/>
+              <a:t>aylıq və ya həftəlik hesabatlar</a:t>
+            </a:r>
+            <a:r>
+              <a:rPr lang="en-US" sz="1600"/>
+              <a:t> yaratmaq lazım gəldikdə</a:t>
+            </a:r>
+          </a:p>
+          <a:p>
+            <a:pPr marL="285750" indent="-285750">
+              <a:buFont typeface="Arial" panose="020B0604020202020204" pitchFamily="34" charset="0"/>
+              <a:buChar char="•"/>
+            </a:pPr>
+            <a:r>
+              <a:rPr lang="en-US" sz="1600" b="1"/>
+              <a:t>Sürətli analiz</a:t>
+            </a:r>
+            <a:r>
+              <a:rPr lang="en-US" sz="1600"/>
+              <a:t> üçün testlərin vəziyyətini </a:t>
+            </a:r>
+            <a:r>
+              <a:rPr lang="en-US" sz="1600" b="1"/>
+              <a:t>real vaxtda görmək</a:t>
+            </a:r>
+            <a:r>
+              <a:rPr lang="en-US" sz="1600"/>
+              <a:t> istədikdə</a:t>
+            </a:r>
+            <a:endParaRPr lang="az-Latn-AZ" sz="1600"/>
+          </a:p>
+          <a:p>
+            <a:pPr marL="285750" indent="-285750">
+              <a:buFont typeface="Arial" panose="020B0604020202020204" pitchFamily="34" charset="0"/>
+              <a:buChar char="•"/>
+            </a:pPr>
+            <a:endParaRPr lang="az-Latn-AZ" sz="1600"/>
+          </a:p>
+          <a:p>
+            <a:pPr marL="285750" indent="-285750">
+              <a:buFont typeface="Arial" panose="020B0604020202020204" pitchFamily="34" charset="0"/>
+              <a:buChar char="•"/>
+            </a:pPr>
+            <a:endParaRPr lang="az-Latn-AZ" sz="1600"/>
+          </a:p>
+          <a:p>
+            <a:pPr>
+              <a:buNone/>
+            </a:pPr>
+            <a:r>
+              <a:rPr lang="en-US" sz="1600" b="1"/>
+              <a:t>🎯 Sənin üçün nümunə bir istifadə halları:</a:t>
+            </a:r>
+          </a:p>
+          <a:p>
+            <a:pPr>
+              <a:buNone/>
+            </a:pPr>
+            <a:r>
+              <a:rPr lang="en-US" sz="1600" b="1"/>
+              <a:t>Sən DevOps və ya QA komandasının rəhbərisən və testlərin ümumi gedişatını izləmək istəyirsən.</a:t>
+            </a:r>
+            <a:endParaRPr lang="en-US" sz="1600"/>
+          </a:p>
+          <a:p>
+            <a:pPr marL="285750" indent="-285750">
+              <a:buFont typeface="Arial" panose="020B0604020202020204" pitchFamily="34" charset="0"/>
+              <a:buChar char="•"/>
+            </a:pPr>
+            <a:r>
+              <a:rPr lang="en-US" sz="1600"/>
+              <a:t>"Release 1.0" üçün yeni test run başladılmasını istəyirsən.</a:t>
+            </a:r>
+          </a:p>
+          <a:p>
+            <a:pPr marL="285750" indent="-285750">
+              <a:buFont typeface="Arial" panose="020B0604020202020204" pitchFamily="34" charset="0"/>
+              <a:buChar char="•"/>
+            </a:pPr>
+            <a:r>
+              <a:rPr lang="en-US" sz="1600"/>
+              <a:t>Dashboard-da </a:t>
+            </a:r>
+            <a:r>
+              <a:rPr lang="en-US" sz="1600" b="1"/>
+              <a:t>hansı testlərin bloklandığını və hansılarının fail olduğunu</a:t>
+            </a:r>
+            <a:r>
+              <a:rPr lang="en-US" sz="1600"/>
+              <a:t> real vaxtda görmək istəyirsən.</a:t>
+            </a:r>
+          </a:p>
+          <a:p>
+            <a:pPr marL="285750" indent="-285750">
+              <a:buFont typeface="Arial" panose="020B0604020202020204" pitchFamily="34" charset="0"/>
+              <a:buChar char="•"/>
+            </a:pPr>
+            <a:r>
+              <a:rPr lang="en-US" sz="1600"/>
+              <a:t>Komandaya tapşırıq vermək üçün hansı hissədə problem yarandığını analiz edirsən.</a:t>
+            </a:r>
+          </a:p>
+          <a:p>
+            <a:endParaRPr lang="az-Latn-AZ" sz="1600"/>
+          </a:p>
+          <a:p>
+            <a:endParaRPr lang="az-Latn-AZ" sz="1600"/>
+          </a:p>
+          <a:p>
+            <a:endParaRPr lang="az-Latn-AZ" sz="1600"/>
+          </a:p>
+          <a:p>
+            <a:endParaRPr lang="az-Latn-AZ" sz="1600"/>
+          </a:p>
+          <a:p>
+            <a:r>
+              <a:rPr lang="en-US" sz="1600"/>
+              <a:t>Test IT platformasında </a:t>
+            </a:r>
+            <a:r>
+              <a:rPr lang="en-US" sz="1600" b="1"/>
+              <a:t>Dashboard</a:t>
+            </a:r>
+            <a:r>
+              <a:rPr lang="en-US" sz="1600"/>
+              <a:t> yaradarkən </a:t>
+            </a:r>
+            <a:r>
+              <a:rPr lang="en-US" sz="1600" b="1">
+                <a:solidFill>
+                  <a:srgbClr val="FF0000"/>
+                </a:solidFill>
+              </a:rPr>
+              <a:t>vidjetlər</a:t>
+            </a:r>
+            <a:r>
+              <a:rPr lang="en-US" sz="1600" b="1"/>
+              <a:t> (widgetlər)</a:t>
+            </a:r>
+            <a:r>
+              <a:rPr lang="en-US" sz="1600"/>
+              <a:t> əlavə etməlisən. Hər vidjet müəyyən bir </a:t>
+            </a:r>
+            <a:r>
+              <a:rPr lang="en-US" sz="1600" b="1"/>
+              <a:t>test metrikalarını</a:t>
+            </a:r>
+            <a:r>
+              <a:rPr lang="en-US" sz="1600"/>
+              <a:t> və ya </a:t>
+            </a:r>
+            <a:r>
+              <a:rPr lang="en-US" sz="1600" b="1"/>
+              <a:t>komanda performansını</a:t>
+            </a:r>
+            <a:r>
+              <a:rPr lang="en-US" sz="1600"/>
+              <a:t> göstərir. Gəlin, hər bir vidjetin nə üçün istifadə edildiyini izah edim.</a:t>
+            </a:r>
+            <a:endParaRPr lang="az-Latn-AZ" sz="1600"/>
+          </a:p>
+          <a:p>
+            <a:endParaRPr lang="az-Latn-AZ" sz="1600"/>
+          </a:p>
+          <a:p>
+            <a:endParaRPr lang="az-Latn-AZ" sz="1600"/>
+          </a:p>
+          <a:p>
+            <a:r>
+              <a:rPr lang="az-Latn-AZ" sz="1600"/>
+              <a:t>Ardı növbəti slaydda....</a:t>
+            </a:r>
+            <a:endParaRPr lang="en-US" sz="1600"/>
+          </a:p>
+        </p:txBody>
+      </p:sp>
+      <p:pic>
+        <p:nvPicPr>
+          <p:cNvPr id="4" name="Picture 3">
+            <a:extLst>
+              <a:ext uri="{FF2B5EF4-FFF2-40B4-BE49-F238E27FC236}">
+                <a16:creationId xmlns:a16="http://schemas.microsoft.com/office/drawing/2014/main" id="{38AE2BD6-310E-F900-99B5-15C2F52A8840}"/>
+              </a:ext>
+            </a:extLst>
+          </p:cNvPr>
+          <p:cNvPicPr>
+            <a:picLocks noChangeAspect="1"/>
+          </p:cNvPicPr>
+          <p:nvPr/>
+        </p:nvPicPr>
+        <p:blipFill>
+          <a:blip r:embed="rId3">
+            <a:extLst>
+              <a:ext uri="{28A0092B-C50C-407E-A947-70E740481C1C}">
+                <a14:useLocalDpi xmlns:a14="http://schemas.microsoft.com/office/drawing/2010/main" val="0"/>
+              </a:ext>
+            </a:extLst>
+          </a:blip>
+          <a:stretch>
+            <a:fillRect/>
+          </a:stretch>
+        </p:blipFill>
+        <p:spPr>
+          <a:xfrm>
+            <a:off x="7138376" y="4605180"/>
+            <a:ext cx="5053624" cy="2252820"/>
+          </a:xfrm>
+          <a:prstGeom prst="rect">
+            <a:avLst/>
+          </a:prstGeom>
+          <a:ln w="38100" cap="sq">
+            <a:solidFill>
+              <a:srgbClr val="000000"/>
+            </a:solidFill>
+            <a:prstDash val="solid"/>
+            <a:miter lim="800000"/>
+          </a:ln>
+          <a:effectLst>
+            <a:outerShdw blurRad="50800" dist="38100" dir="2700000" algn="tl" rotWithShape="0">
+              <a:srgbClr val="000000">
+                <a:alpha val="43000"/>
+              </a:srgbClr>
+            </a:outerShdw>
+          </a:effectLst>
+        </p:spPr>
+      </p:pic>
+    </p:spTree>
+    <p:extLst>
+      <p:ext uri="{BB962C8B-B14F-4D97-AF65-F5344CB8AC3E}">
+        <p14:creationId xmlns:p14="http://schemas.microsoft.com/office/powerpoint/2010/main" val="506559743"/>
+      </p:ext>
+    </p:extLst>
+  </p:cSld>
+  <p:clrMapOvr>
+    <a:masterClrMapping/>
+  </p:clrMapOvr>
+</p:sld>
+</file>
+
+<file path=ppt/slides/slide20.xml><?xml version="1.0" encoding="utf-8"?>
 <p:sld xmlns:a="http://schemas.openxmlformats.org/drawingml/2006/main" xmlns:r="http://schemas.openxmlformats.org/officeDocument/2006/relationships" xmlns:p="http://schemas.openxmlformats.org/presentationml/2006/main">
   <p:cSld>
     <p:spTree>
@@ -6754,154 +7818,6 @@
     <p:extLst>
       <p:ext uri="{BB962C8B-B14F-4D97-AF65-F5344CB8AC3E}">
         <p14:creationId xmlns:p14="http://schemas.microsoft.com/office/powerpoint/2010/main" val="3664736042"/>
-      </p:ext>
-    </p:extLst>
-  </p:cSld>
-  <p:clrMapOvr>
-    <a:masterClrMapping/>
-  </p:clrMapOvr>
-</p:sld>
-</file>
-
-<file path=ppt/slides/slide2.xml><?xml version="1.0" encoding="utf-8"?>
-<p:sld xmlns:a="http://schemas.openxmlformats.org/drawingml/2006/main" xmlns:r="http://schemas.openxmlformats.org/officeDocument/2006/relationships" xmlns:p="http://schemas.openxmlformats.org/presentationml/2006/main">
-  <p:cSld>
-    <p:spTree>
-      <p:nvGrpSpPr>
-        <p:cNvPr id="1" name="">
-          <a:extLst>
-            <a:ext uri="{FF2B5EF4-FFF2-40B4-BE49-F238E27FC236}">
-              <a16:creationId xmlns:a16="http://schemas.microsoft.com/office/drawing/2014/main" id="{EC9B30DE-4146-9CBA-76C3-4D4092DE857F}"/>
-            </a:ext>
-          </a:extLst>
-        </p:cNvPr>
-        <p:cNvGrpSpPr/>
-        <p:nvPr/>
-      </p:nvGrpSpPr>
-      <p:grpSpPr>
-        <a:xfrm>
-          <a:off x="0" y="0"/>
-          <a:ext cx="0" cy="0"/>
-          <a:chOff x="0" y="0"/>
-          <a:chExt cx="0" cy="0"/>
-        </a:xfrm>
-      </p:grpSpPr>
-      <p:sp>
-        <p:nvSpPr>
-          <p:cNvPr id="3" name="TextBox 2">
-            <a:extLst>
-              <a:ext uri="{FF2B5EF4-FFF2-40B4-BE49-F238E27FC236}">
-                <a16:creationId xmlns:a16="http://schemas.microsoft.com/office/drawing/2014/main" id="{06BEA32E-1BE4-FED8-87CB-5451295DA807}"/>
-              </a:ext>
-            </a:extLst>
-          </p:cNvPr>
-          <p:cNvSpPr txBox="1"/>
-          <p:nvPr/>
-        </p:nvSpPr>
-        <p:spPr>
-          <a:xfrm>
-            <a:off x="107004" y="158874"/>
-            <a:ext cx="11984477" cy="338554"/>
-          </a:xfrm>
-          <a:prstGeom prst="rect">
-            <a:avLst/>
-          </a:prstGeom>
-          <a:noFill/>
-        </p:spPr>
-        <p:txBody>
-          <a:bodyPr wrap="square">
-            <a:spAutoFit/>
-          </a:bodyPr>
-          <a:lstStyle/>
-          <a:p>
-            <a:pPr>
-              <a:buNone/>
-            </a:pPr>
-            <a:r>
-              <a:rPr lang="en-US" sz="1600"/>
-              <a:t>.</a:t>
-            </a:r>
-          </a:p>
-        </p:txBody>
-      </p:sp>
-    </p:spTree>
-    <p:extLst>
-      <p:ext uri="{BB962C8B-B14F-4D97-AF65-F5344CB8AC3E}">
-        <p14:creationId xmlns:p14="http://schemas.microsoft.com/office/powerpoint/2010/main" val="1474197367"/>
-      </p:ext>
-    </p:extLst>
-  </p:cSld>
-  <p:clrMapOvr>
-    <a:masterClrMapping/>
-  </p:clrMapOvr>
-</p:sld>
-</file>
-
-<file path=ppt/slides/slide20.xml><?xml version="1.0" encoding="utf-8"?>
-<p:sld xmlns:a="http://schemas.openxmlformats.org/drawingml/2006/main" xmlns:r="http://schemas.openxmlformats.org/officeDocument/2006/relationships" xmlns:p="http://schemas.openxmlformats.org/presentationml/2006/main">
-  <p:cSld>
-    <p:spTree>
-      <p:nvGrpSpPr>
-        <p:cNvPr id="1" name="">
-          <a:extLst>
-            <a:ext uri="{FF2B5EF4-FFF2-40B4-BE49-F238E27FC236}">
-              <a16:creationId xmlns:a16="http://schemas.microsoft.com/office/drawing/2014/main" id="{C6ACE055-EDAB-23EB-133E-717C67524150}"/>
-            </a:ext>
-          </a:extLst>
-        </p:cNvPr>
-        <p:cNvGrpSpPr/>
-        <p:nvPr/>
-      </p:nvGrpSpPr>
-      <p:grpSpPr>
-        <a:xfrm>
-          <a:off x="0" y="0"/>
-          <a:ext cx="0" cy="0"/>
-          <a:chOff x="0" y="0"/>
-          <a:chExt cx="0" cy="0"/>
-        </a:xfrm>
-      </p:grpSpPr>
-      <p:sp>
-        <p:nvSpPr>
-          <p:cNvPr id="3" name="TextBox 2">
-            <a:extLst>
-              <a:ext uri="{FF2B5EF4-FFF2-40B4-BE49-F238E27FC236}">
-                <a16:creationId xmlns:a16="http://schemas.microsoft.com/office/drawing/2014/main" id="{44104DEC-877D-BE4B-CA6D-0A7BBF17560E}"/>
-              </a:ext>
-            </a:extLst>
-          </p:cNvPr>
-          <p:cNvSpPr txBox="1"/>
-          <p:nvPr/>
-        </p:nvSpPr>
-        <p:spPr>
-          <a:xfrm>
-            <a:off x="107004" y="158874"/>
-            <a:ext cx="11984477" cy="338554"/>
-          </a:xfrm>
-          <a:prstGeom prst="rect">
-            <a:avLst/>
-          </a:prstGeom>
-          <a:noFill/>
-        </p:spPr>
-        <p:txBody>
-          <a:bodyPr wrap="square">
-            <a:spAutoFit/>
-          </a:bodyPr>
-          <a:lstStyle/>
-          <a:p>
-            <a:pPr>
-              <a:buNone/>
-            </a:pPr>
-            <a:r>
-              <a:rPr lang="en-US" sz="1600"/>
-              <a:t>.</a:t>
-            </a:r>
-          </a:p>
-        </p:txBody>
-      </p:sp>
-    </p:spTree>
-    <p:extLst>
-      <p:ext uri="{BB962C8B-B14F-4D97-AF65-F5344CB8AC3E}">
-        <p14:creationId xmlns:p14="http://schemas.microsoft.com/office/powerpoint/2010/main" val="50669184"/>
       </p:ext>
     </p:extLst>
   </p:cSld>
@@ -6993,6 +7909,266 @@
         <p:cNvPr id="1" name="">
           <a:extLst>
             <a:ext uri="{FF2B5EF4-FFF2-40B4-BE49-F238E27FC236}">
+              <a16:creationId xmlns:a16="http://schemas.microsoft.com/office/drawing/2014/main" id="{EC9B30DE-4146-9CBA-76C3-4D4092DE857F}"/>
+            </a:ext>
+          </a:extLst>
+        </p:cNvPr>
+        <p:cNvGrpSpPr/>
+        <p:nvPr/>
+      </p:nvGrpSpPr>
+      <p:grpSpPr>
+        <a:xfrm>
+          <a:off x="0" y="0"/>
+          <a:ext cx="0" cy="0"/>
+          <a:chOff x="0" y="0"/>
+          <a:chExt cx="0" cy="0"/>
+        </a:xfrm>
+      </p:grpSpPr>
+      <p:sp>
+        <p:nvSpPr>
+          <p:cNvPr id="3" name="TextBox 2">
+            <a:extLst>
+              <a:ext uri="{FF2B5EF4-FFF2-40B4-BE49-F238E27FC236}">
+                <a16:creationId xmlns:a16="http://schemas.microsoft.com/office/drawing/2014/main" id="{06BEA32E-1BE4-FED8-87CB-5451295DA807}"/>
+              </a:ext>
+            </a:extLst>
+          </p:cNvPr>
+          <p:cNvSpPr txBox="1"/>
+          <p:nvPr/>
+        </p:nvSpPr>
+        <p:spPr>
+          <a:xfrm>
+            <a:off x="107004" y="158874"/>
+            <a:ext cx="11984477" cy="3539430"/>
+          </a:xfrm>
+          <a:prstGeom prst="rect">
+            <a:avLst/>
+          </a:prstGeom>
+          <a:noFill/>
+        </p:spPr>
+        <p:txBody>
+          <a:bodyPr wrap="square">
+            <a:spAutoFit/>
+          </a:bodyPr>
+          <a:lstStyle/>
+          <a:p>
+            <a:pPr>
+              <a:buNone/>
+            </a:pPr>
+            <a:r>
+              <a:rPr lang="en-US" sz="1600" b="1"/>
+              <a:t>📌 Yeni vidjet növləri və onların açıqlamaları</a:t>
+            </a:r>
+            <a:endParaRPr lang="az-Latn-AZ" sz="1600" b="1"/>
+          </a:p>
+          <a:p>
+            <a:pPr>
+              <a:buNone/>
+            </a:pPr>
+            <a:endParaRPr lang="az-Latn-AZ" sz="1600" b="1"/>
+          </a:p>
+          <a:p>
+            <a:pPr>
+              <a:buNone/>
+            </a:pPr>
+            <a:endParaRPr lang="en-US" sz="1600" b="1"/>
+          </a:p>
+          <a:p>
+            <a:pPr>
+              <a:buNone/>
+            </a:pPr>
+            <a:r>
+              <a:rPr lang="en-US" sz="1600"/>
+              <a:t>1️⃣ </a:t>
+            </a:r>
+            <a:r>
+              <a:rPr lang="ru-RU" sz="1600" b="1"/>
+              <a:t>Результаты тестов (</a:t>
+            </a:r>
+            <a:r>
+              <a:rPr lang="en-US" sz="1600" b="1"/>
+              <a:t>Test Nəticələri)</a:t>
+            </a:r>
+            <a:endParaRPr lang="en-US" sz="1600"/>
+          </a:p>
+          <a:p>
+            <a:pPr marL="285750" indent="-285750">
+              <a:buFont typeface="Arial" panose="020B0604020202020204" pitchFamily="34" charset="0"/>
+              <a:buChar char="•"/>
+            </a:pPr>
+            <a:r>
+              <a:rPr lang="en-US" sz="1600" b="1"/>
+              <a:t>Testlərin ümumi nəticələrini</a:t>
+            </a:r>
+            <a:r>
+              <a:rPr lang="en-US" sz="1600"/>
+              <a:t> göstərir:</a:t>
+            </a:r>
+            <a:br>
+              <a:rPr lang="en-US" sz="1600"/>
+            </a:br>
+            <a:r>
+              <a:rPr lang="en-US" sz="1600"/>
+              <a:t>✅ Neçə test keçib</a:t>
+            </a:r>
+            <a:br>
+              <a:rPr lang="en-US" sz="1600"/>
+            </a:br>
+            <a:r>
+              <a:rPr lang="en-US" sz="1600"/>
+              <a:t>❌ Neçə test uğursuz olub</a:t>
+            </a:r>
+            <a:br>
+              <a:rPr lang="en-US" sz="1600"/>
+            </a:br>
+            <a:r>
+              <a:rPr lang="en-US" sz="1600"/>
+              <a:t>⏳ Neçə test bloklanıb və ya gözləmədədir</a:t>
+            </a:r>
+            <a:endParaRPr lang="az-Latn-AZ" sz="1600"/>
+          </a:p>
+          <a:p>
+            <a:pPr>
+              <a:buFont typeface="Arial" panose="020B0604020202020204" pitchFamily="34" charset="0"/>
+              <a:buChar char="•"/>
+            </a:pPr>
+            <a:endParaRPr lang="en-US" sz="1600"/>
+          </a:p>
+          <a:p>
+            <a:pPr marL="285750" indent="-285750">
+              <a:buFont typeface="Arial" panose="020B0604020202020204" pitchFamily="34" charset="0"/>
+              <a:buChar char="•"/>
+            </a:pPr>
+            <a:r>
+              <a:rPr lang="en-US" sz="1600"/>
+              <a:t>Testlərin </a:t>
+            </a:r>
+            <a:r>
+              <a:rPr lang="en-US" sz="1600" b="1"/>
+              <a:t>müxtəlif filterlərə görə</a:t>
+            </a:r>
+            <a:r>
+              <a:rPr lang="en-US" sz="1600"/>
+              <a:t> (məsələn, tarix, istifadəçi, test plan) nəticələrini qruplaşdırmağa imkan verir.</a:t>
+            </a:r>
+            <a:endParaRPr lang="az-Latn-AZ" sz="1600"/>
+          </a:p>
+          <a:p>
+            <a:pPr>
+              <a:buFont typeface="Arial" panose="020B0604020202020204" pitchFamily="34" charset="0"/>
+              <a:buChar char="•"/>
+            </a:pPr>
+            <a:endParaRPr lang="en-US" sz="1600"/>
+          </a:p>
+          <a:p>
+            <a:pPr>
+              <a:buNone/>
+            </a:pPr>
+            <a:r>
+              <a:rPr lang="en-US" sz="1600"/>
+              <a:t>📌 </a:t>
+            </a:r>
+            <a:r>
+              <a:rPr lang="en-US" sz="1600" b="1"/>
+              <a:t>Nə üçün istifadə olunur?</a:t>
+            </a:r>
+            <a:endParaRPr lang="en-US" sz="1600"/>
+          </a:p>
+          <a:p>
+            <a:pPr marL="285750" indent="-285750">
+              <a:buFont typeface="Arial" panose="020B0604020202020204" pitchFamily="34" charset="0"/>
+              <a:buChar char="•"/>
+            </a:pPr>
+            <a:r>
+              <a:rPr lang="en-US" sz="1600"/>
+              <a:t>Test prosesinin </a:t>
+            </a:r>
+            <a:r>
+              <a:rPr lang="en-US" sz="1600" b="1"/>
+              <a:t>ümumi vəziyyətini</a:t>
+            </a:r>
+            <a:r>
+              <a:rPr lang="en-US" sz="1600"/>
+              <a:t> anlamaq üçün</a:t>
+            </a:r>
+          </a:p>
+          <a:p>
+            <a:pPr marL="285750" indent="-285750">
+              <a:buFont typeface="Arial" panose="020B0604020202020204" pitchFamily="34" charset="0"/>
+              <a:buChar char="•"/>
+            </a:pPr>
+            <a:r>
+              <a:rPr lang="en-US" sz="1600"/>
+              <a:t>Hansı sahədə daha çox </a:t>
+            </a:r>
+            <a:r>
+              <a:rPr lang="en-US" sz="1600" b="1"/>
+              <a:t>fail</a:t>
+            </a:r>
+            <a:r>
+              <a:rPr lang="en-US" sz="1600"/>
+              <a:t> olduğunu görmək üçün</a:t>
+            </a:r>
+          </a:p>
+        </p:txBody>
+      </p:sp>
+      <p:pic>
+        <p:nvPicPr>
+          <p:cNvPr id="4" name="Picture 3">
+            <a:extLst>
+              <a:ext uri="{FF2B5EF4-FFF2-40B4-BE49-F238E27FC236}">
+                <a16:creationId xmlns:a16="http://schemas.microsoft.com/office/drawing/2014/main" id="{0A2B1DAE-19AE-B998-C534-CBFAA2732B1F}"/>
+              </a:ext>
+            </a:extLst>
+          </p:cNvPr>
+          <p:cNvPicPr>
+            <a:picLocks noChangeAspect="1"/>
+          </p:cNvPicPr>
+          <p:nvPr/>
+        </p:nvPicPr>
+        <p:blipFill>
+          <a:blip r:embed="rId3">
+            <a:extLst>
+              <a:ext uri="{28A0092B-C50C-407E-A947-70E740481C1C}">
+                <a14:useLocalDpi xmlns:a14="http://schemas.microsoft.com/office/drawing/2010/main" val="0"/>
+              </a:ext>
+            </a:extLst>
+          </a:blip>
+          <a:stretch>
+            <a:fillRect/>
+          </a:stretch>
+        </p:blipFill>
+        <p:spPr>
+          <a:xfrm>
+            <a:off x="5410404" y="3318570"/>
+            <a:ext cx="6781596" cy="3539430"/>
+          </a:xfrm>
+          <a:prstGeom prst="rect">
+            <a:avLst/>
+          </a:prstGeom>
+        </p:spPr>
+      </p:pic>
+    </p:spTree>
+    <p:extLst>
+      <p:ext uri="{BB962C8B-B14F-4D97-AF65-F5344CB8AC3E}">
+        <p14:creationId xmlns:p14="http://schemas.microsoft.com/office/powerpoint/2010/main" val="1474197367"/>
+      </p:ext>
+    </p:extLst>
+  </p:cSld>
+  <p:clrMapOvr>
+    <a:masterClrMapping/>
+  </p:clrMapOvr>
+</p:sld>
+</file>
+
+<file path=ppt/slides/slide4.xml><?xml version="1.0" encoding="utf-8"?>
+<p:sld xmlns:a="http://schemas.openxmlformats.org/drawingml/2006/main" xmlns:r="http://schemas.openxmlformats.org/officeDocument/2006/relationships" xmlns:p="http://schemas.openxmlformats.org/presentationml/2006/main">
+  <p:cSld>
+    <p:spTree>
+      <p:nvGrpSpPr>
+        <p:cNvPr id="1" name="">
+          <a:extLst>
+            <a:ext uri="{FF2B5EF4-FFF2-40B4-BE49-F238E27FC236}">
               <a16:creationId xmlns:a16="http://schemas.microsoft.com/office/drawing/2014/main" id="{C81BBE1F-EEF3-3C0B-E179-1CF90729636E}"/>
             </a:ext>
           </a:extLst>
@@ -7023,7 +8199,7 @@
         <p:spPr>
           <a:xfrm>
             <a:off x="107004" y="158874"/>
-            <a:ext cx="11984477" cy="338554"/>
+            <a:ext cx="11984477" cy="2308324"/>
           </a:xfrm>
           <a:prstGeom prst="rect">
             <a:avLst/>
@@ -7040,12 +8216,167 @@
               <a:buNone/>
             </a:pPr>
             <a:r>
+              <a:rPr lang="ru-RU" sz="1600"/>
+              <a:t>2️⃣ </a:t>
+            </a:r>
+            <a:r>
+              <a:rPr lang="ru-RU" sz="1600" b="1"/>
+              <a:t>Тесты (</a:t>
+            </a:r>
+            <a:r>
+              <a:rPr lang="en-US" sz="1600" b="1"/>
+              <a:t>Testlər)</a:t>
+            </a:r>
+            <a:endParaRPr lang="az-Latn-AZ" sz="1600" b="1"/>
+          </a:p>
+          <a:p>
+            <a:pPr>
+              <a:buNone/>
+            </a:pPr>
+            <a:endParaRPr lang="en-US" sz="1600"/>
+          </a:p>
+          <a:p>
+            <a:pPr marL="285750" indent="-285750">
+              <a:buFont typeface="Arial" panose="020B0604020202020204" pitchFamily="34" charset="0"/>
+              <a:buChar char="•"/>
+            </a:pPr>
+            <a:r>
               <a:rPr lang="en-US" sz="1600"/>
-              <a:t>.</a:t>
-            </a:r>
-          </a:p>
-        </p:txBody>
-      </p:sp>
+              <a:t>Test case-lərin siyahısını göstərir</a:t>
+            </a:r>
+          </a:p>
+          <a:p>
+            <a:pPr marL="285750" indent="-285750">
+              <a:buFont typeface="Arial" panose="020B0604020202020204" pitchFamily="34" charset="0"/>
+              <a:buChar char="•"/>
+            </a:pPr>
+            <a:r>
+              <a:rPr lang="en-US" sz="1600"/>
+              <a:t>Testlərin </a:t>
+            </a:r>
+            <a:r>
+              <a:rPr lang="en-US" sz="1600" b="1"/>
+              <a:t>hazırki statusunu</a:t>
+            </a:r>
+            <a:r>
+              <a:rPr lang="en-US" sz="1600"/>
+              <a:t> əks etdirir (keçib, fail olub, bloklanıb və s.)</a:t>
+            </a:r>
+          </a:p>
+          <a:p>
+            <a:pPr marL="285750" indent="-285750">
+              <a:buFont typeface="Arial" panose="020B0604020202020204" pitchFamily="34" charset="0"/>
+              <a:buChar char="•"/>
+            </a:pPr>
+            <a:r>
+              <a:rPr lang="en-US" sz="1600"/>
+              <a:t>Hansı testlərin </a:t>
+            </a:r>
+            <a:r>
+              <a:rPr lang="en-US" sz="1600" b="1"/>
+              <a:t>tez-tez uğursuz olduğunu</a:t>
+            </a:r>
+            <a:r>
+              <a:rPr lang="en-US" sz="1600"/>
+              <a:t> analiz etməyə imkan verir</a:t>
+            </a:r>
+            <a:endParaRPr lang="az-Latn-AZ" sz="1600"/>
+          </a:p>
+          <a:p>
+            <a:pPr>
+              <a:buFont typeface="Arial" panose="020B0604020202020204" pitchFamily="34" charset="0"/>
+              <a:buChar char="•"/>
+            </a:pPr>
+            <a:endParaRPr lang="en-US" sz="1600"/>
+          </a:p>
+          <a:p>
+            <a:pPr>
+              <a:buNone/>
+            </a:pPr>
+            <a:r>
+              <a:rPr lang="en-US" sz="1600"/>
+              <a:t>📌 </a:t>
+            </a:r>
+            <a:r>
+              <a:rPr lang="en-US" sz="1600" b="1"/>
+              <a:t>Nə üçün istifadə olunur?</a:t>
+            </a:r>
+            <a:endParaRPr lang="en-US" sz="1600"/>
+          </a:p>
+          <a:p>
+            <a:pPr marL="285750" indent="-285750">
+              <a:buFont typeface="Arial" panose="020B0604020202020204" pitchFamily="34" charset="0"/>
+              <a:buChar char="•"/>
+            </a:pPr>
+            <a:r>
+              <a:rPr lang="en-US" sz="1600"/>
+              <a:t>Testlərin statusunu real vaxt rejimində </a:t>
+            </a:r>
+            <a:r>
+              <a:rPr lang="en-US" sz="1600" b="1"/>
+              <a:t>izləmək və prioritetləri təyin etmək</a:t>
+            </a:r>
+            <a:r>
+              <a:rPr lang="en-US" sz="1600"/>
+              <a:t> üçün</a:t>
+            </a:r>
+          </a:p>
+          <a:p>
+            <a:pPr marL="285750" indent="-285750">
+              <a:buFont typeface="Arial" panose="020B0604020202020204" pitchFamily="34" charset="0"/>
+              <a:buChar char="•"/>
+            </a:pPr>
+            <a:r>
+              <a:rPr lang="en-US" sz="1600"/>
+              <a:t>Fail olan testləri görüb </a:t>
+            </a:r>
+            <a:r>
+              <a:rPr lang="en-US" sz="1600" b="1"/>
+              <a:t>onlara düzəliş etmək</a:t>
+            </a:r>
+            <a:r>
+              <a:rPr lang="en-US" sz="1600"/>
+              <a:t> üçün</a:t>
+            </a:r>
+          </a:p>
+        </p:txBody>
+      </p:sp>
+      <p:pic>
+        <p:nvPicPr>
+          <p:cNvPr id="2" name="Picture 1">
+            <a:extLst>
+              <a:ext uri="{FF2B5EF4-FFF2-40B4-BE49-F238E27FC236}">
+                <a16:creationId xmlns:a16="http://schemas.microsoft.com/office/drawing/2014/main" id="{09D2ADD9-77D8-1967-4886-1397EA4921CF}"/>
+              </a:ext>
+            </a:extLst>
+          </p:cNvPr>
+          <p:cNvPicPr>
+            <a:picLocks noChangeAspect="1"/>
+          </p:cNvPicPr>
+          <p:nvPr/>
+        </p:nvPicPr>
+        <p:blipFill>
+          <a:blip r:embed="rId3">
+            <a:extLst>
+              <a:ext uri="{28A0092B-C50C-407E-A947-70E740481C1C}">
+                <a14:useLocalDpi xmlns:a14="http://schemas.microsoft.com/office/drawing/2010/main" val="0"/>
+              </a:ext>
+            </a:extLst>
+          </a:blip>
+          <a:stretch>
+            <a:fillRect/>
+          </a:stretch>
+        </p:blipFill>
+        <p:spPr>
+          <a:xfrm>
+            <a:off x="5410404" y="3318570"/>
+            <a:ext cx="6781596" cy="3539430"/>
+          </a:xfrm>
+          <a:prstGeom prst="rect">
+            <a:avLst/>
+          </a:prstGeom>
+        </p:spPr>
+      </p:pic>
     </p:spTree>
     <p:extLst>
       <p:ext uri="{BB962C8B-B14F-4D97-AF65-F5344CB8AC3E}">
@@ -7059,7 +8390,7 @@
 </p:sld>
 </file>
 
-<file path=ppt/slides/slide4.xml><?xml version="1.0" encoding="utf-8"?>
+<file path=ppt/slides/slide5.xml><?xml version="1.0" encoding="utf-8"?>
 <p:sld xmlns:a="http://schemas.openxmlformats.org/drawingml/2006/main" xmlns:r="http://schemas.openxmlformats.org/officeDocument/2006/relationships" xmlns:p="http://schemas.openxmlformats.org/presentationml/2006/main">
   <p:cSld>
     <p:spTree>
@@ -7097,7 +8428,7 @@
         <p:spPr>
           <a:xfrm>
             <a:off x="107004" y="158874"/>
-            <a:ext cx="11984477" cy="338554"/>
+            <a:ext cx="11984477" cy="2800767"/>
           </a:xfrm>
           <a:prstGeom prst="rect">
             <a:avLst/>
@@ -7114,12 +8445,169 @@
               <a:buNone/>
             </a:pPr>
             <a:r>
+              <a:rPr lang="ru-RU" sz="1600"/>
+              <a:t>3️⃣ </a:t>
+            </a:r>
+            <a:r>
+              <a:rPr lang="ru-RU" sz="1600" b="1"/>
+              <a:t>Автотесты (</a:t>
+            </a:r>
+            <a:r>
+              <a:rPr lang="en-US" sz="1600" b="1"/>
+              <a:t>Avtomatik Testlər)</a:t>
+            </a:r>
+            <a:endParaRPr lang="az-Latn-AZ" sz="1600" b="1"/>
+          </a:p>
+          <a:p>
+            <a:pPr>
+              <a:buNone/>
+            </a:pPr>
+            <a:endParaRPr lang="en-US" sz="1600"/>
+          </a:p>
+          <a:p>
+            <a:pPr marL="285750" indent="-285750">
+              <a:buFont typeface="Arial" panose="020B0604020202020204" pitchFamily="34" charset="0"/>
+              <a:buChar char="•"/>
+            </a:pPr>
+            <a:r>
               <a:rPr lang="en-US" sz="1600"/>
-              <a:t>.</a:t>
-            </a:r>
-          </a:p>
-        </p:txBody>
-      </p:sp>
+              <a:t>Avtomatik testlərin icra statusunu göstərir</a:t>
+            </a:r>
+          </a:p>
+          <a:p>
+            <a:pPr marL="285750" indent="-285750">
+              <a:buFont typeface="Arial" panose="020B0604020202020204" pitchFamily="34" charset="0"/>
+              <a:buChar char="•"/>
+            </a:pPr>
+            <a:r>
+              <a:rPr lang="en-US" sz="1600" b="1"/>
+              <a:t>Neçə avtomatik test uğurla icra olunub, neçə test fail olub</a:t>
+            </a:r>
+            <a:r>
+              <a:rPr lang="en-US" sz="1600"/>
+              <a:t> onu əks etdirir</a:t>
+            </a:r>
+          </a:p>
+          <a:p>
+            <a:pPr marL="285750" indent="-285750">
+              <a:buFont typeface="Arial" panose="020B0604020202020204" pitchFamily="34" charset="0"/>
+              <a:buChar char="•"/>
+            </a:pPr>
+            <a:r>
+              <a:rPr lang="en-US" sz="1600"/>
+              <a:t>Avtomatlaşdırılmış testlərin nəticələrini </a:t>
+            </a:r>
+            <a:r>
+              <a:rPr lang="en-US" sz="1600" b="1"/>
+              <a:t>manual testlərdən ayırmağa imkan verir</a:t>
+            </a:r>
+            <a:endParaRPr lang="az-Latn-AZ" sz="1600" b="1"/>
+          </a:p>
+          <a:p>
+            <a:pPr>
+              <a:buFont typeface="Arial" panose="020B0604020202020204" pitchFamily="34" charset="0"/>
+              <a:buChar char="•"/>
+            </a:pPr>
+            <a:endParaRPr lang="en-US" sz="1600"/>
+          </a:p>
+          <a:p>
+            <a:pPr>
+              <a:buNone/>
+            </a:pPr>
+            <a:r>
+              <a:rPr lang="en-US" sz="1600"/>
+              <a:t>📌 </a:t>
+            </a:r>
+            <a:r>
+              <a:rPr lang="en-US" sz="1600" b="1"/>
+              <a:t>Nə üçün istifadə olunur?</a:t>
+            </a:r>
+            <a:endParaRPr lang="az-Latn-AZ" sz="1600" b="1"/>
+          </a:p>
+          <a:p>
+            <a:pPr>
+              <a:buNone/>
+            </a:pPr>
+            <a:endParaRPr lang="en-US" sz="1600"/>
+          </a:p>
+          <a:p>
+            <a:pPr marL="285750" indent="-285750">
+              <a:buFont typeface="Arial" panose="020B0604020202020204" pitchFamily="34" charset="0"/>
+              <a:buChar char="•"/>
+            </a:pPr>
+            <a:r>
+              <a:rPr lang="en-US" sz="1600" b="1"/>
+              <a:t>QA mühəndisləri və DevOps komandaları üçün faydalıdır</a:t>
+            </a:r>
+            <a:endParaRPr lang="en-US" sz="1600"/>
+          </a:p>
+          <a:p>
+            <a:pPr marL="285750" indent="-285750">
+              <a:buFont typeface="Arial" panose="020B0604020202020204" pitchFamily="34" charset="0"/>
+              <a:buChar char="•"/>
+            </a:pPr>
+            <a:r>
+              <a:rPr lang="en-US" sz="1600" b="1"/>
+              <a:t>Avtomatik testlərin effektivliyini</a:t>
+            </a:r>
+            <a:r>
+              <a:rPr lang="en-US" sz="1600"/>
+              <a:t> analiz etmək üçün</a:t>
+            </a:r>
+          </a:p>
+          <a:p>
+            <a:pPr marL="285750" indent="-285750">
+              <a:buFont typeface="Arial" panose="020B0604020202020204" pitchFamily="34" charset="0"/>
+              <a:buChar char="•"/>
+            </a:pPr>
+            <a:r>
+              <a:rPr lang="en-US" sz="1600"/>
+              <a:t>Manual testlərlə müqayisədə </a:t>
+            </a:r>
+            <a:r>
+              <a:rPr lang="en-US" sz="1600" b="1"/>
+              <a:t>avtomatik testlərin nəticələrini izləmək üçün</a:t>
+            </a:r>
+            <a:endParaRPr lang="en-US" sz="1600"/>
+          </a:p>
+        </p:txBody>
+      </p:sp>
+      <p:pic>
+        <p:nvPicPr>
+          <p:cNvPr id="2" name="Picture 1">
+            <a:extLst>
+              <a:ext uri="{FF2B5EF4-FFF2-40B4-BE49-F238E27FC236}">
+                <a16:creationId xmlns:a16="http://schemas.microsoft.com/office/drawing/2014/main" id="{75F18DC8-5DFF-A880-A6FF-8CADD6F52B0D}"/>
+              </a:ext>
+            </a:extLst>
+          </p:cNvPr>
+          <p:cNvPicPr>
+            <a:picLocks noChangeAspect="1"/>
+          </p:cNvPicPr>
+          <p:nvPr/>
+        </p:nvPicPr>
+        <p:blipFill>
+          <a:blip r:embed="rId3">
+            <a:extLst>
+              <a:ext uri="{28A0092B-C50C-407E-A947-70E740481C1C}">
+                <a14:useLocalDpi xmlns:a14="http://schemas.microsoft.com/office/drawing/2010/main" val="0"/>
+              </a:ext>
+            </a:extLst>
+          </a:blip>
+          <a:stretch>
+            <a:fillRect/>
+          </a:stretch>
+        </p:blipFill>
+        <p:spPr>
+          <a:xfrm>
+            <a:off x="5410404" y="3318570"/>
+            <a:ext cx="6781596" cy="3539430"/>
+          </a:xfrm>
+          <a:prstGeom prst="rect">
+            <a:avLst/>
+          </a:prstGeom>
+        </p:spPr>
+      </p:pic>
     </p:spTree>
     <p:extLst>
       <p:ext uri="{BB962C8B-B14F-4D97-AF65-F5344CB8AC3E}">
@@ -7133,7 +8621,7 @@
 </p:sld>
 </file>
 
-<file path=ppt/slides/slide5.xml><?xml version="1.0" encoding="utf-8"?>
+<file path=ppt/slides/slide6.xml><?xml version="1.0" encoding="utf-8"?>
 <p:sld xmlns:a="http://schemas.openxmlformats.org/drawingml/2006/main" xmlns:r="http://schemas.openxmlformats.org/officeDocument/2006/relationships" xmlns:p="http://schemas.openxmlformats.org/presentationml/2006/main">
   <p:cSld>
     <p:spTree>
@@ -7171,7 +8659,7 @@
         <p:spPr>
           <a:xfrm>
             <a:off x="107004" y="158874"/>
-            <a:ext cx="11984477" cy="338554"/>
+            <a:ext cx="11984477" cy="2308324"/>
           </a:xfrm>
           <a:prstGeom prst="rect">
             <a:avLst/>
@@ -7188,12 +8676,169 @@
               <a:buNone/>
             </a:pPr>
             <a:r>
+              <a:rPr lang="ru-RU" sz="1600"/>
+              <a:t>4️⃣ </a:t>
+            </a:r>
+            <a:r>
+              <a:rPr lang="ru-RU" sz="1600" b="1"/>
+              <a:t>Тест-планы (</a:t>
+            </a:r>
+            <a:r>
+              <a:rPr lang="en-US" sz="1600" b="1"/>
+              <a:t>Test Planları)</a:t>
+            </a:r>
+            <a:endParaRPr lang="en-US" sz="1600"/>
+          </a:p>
+          <a:p>
+            <a:pPr marL="285750" indent="-285750">
+              <a:buFont typeface="Arial" panose="020B0604020202020204" pitchFamily="34" charset="0"/>
+              <a:buChar char="•"/>
+            </a:pPr>
+            <a:r>
               <a:rPr lang="en-US" sz="1600"/>
-              <a:t>.</a:t>
-            </a:r>
-          </a:p>
-        </p:txBody>
-      </p:sp>
+              <a:t>Mövcud </a:t>
+            </a:r>
+            <a:r>
+              <a:rPr lang="en-US" sz="1600" b="1"/>
+              <a:t>test planlarını və onların statusunu</a:t>
+            </a:r>
+            <a:r>
+              <a:rPr lang="en-US" sz="1600"/>
+              <a:t> göstərir</a:t>
+            </a:r>
+          </a:p>
+          <a:p>
+            <a:pPr marL="285750" indent="-285750">
+              <a:buFont typeface="Arial" panose="020B0604020202020204" pitchFamily="34" charset="0"/>
+              <a:buChar char="•"/>
+            </a:pPr>
+            <a:r>
+              <a:rPr lang="en-US" sz="1600"/>
+              <a:t>Hansı test plan </a:t>
+            </a:r>
+            <a:r>
+              <a:rPr lang="en-US" sz="1600" b="1"/>
+              <a:t>tamamlanıb, hansılar davam edir, hansılar gecikir</a:t>
+            </a:r>
+            <a:r>
+              <a:rPr lang="en-US" sz="1600"/>
+              <a:t> onu izləməyə imkan verir</a:t>
+            </a:r>
+          </a:p>
+          <a:p>
+            <a:pPr marL="285750" indent="-285750">
+              <a:buFont typeface="Arial" panose="020B0604020202020204" pitchFamily="34" charset="0"/>
+              <a:buChar char="•"/>
+            </a:pPr>
+            <a:r>
+              <a:rPr lang="en-US" sz="1600"/>
+              <a:t>Test planlarının </a:t>
+            </a:r>
+            <a:r>
+              <a:rPr lang="en-US" sz="1600" b="1"/>
+              <a:t>statistikalarını və ümumi nəticələrini</a:t>
+            </a:r>
+            <a:r>
+              <a:rPr lang="en-US" sz="1600"/>
+              <a:t> göstərir</a:t>
+            </a:r>
+            <a:endParaRPr lang="az-Latn-AZ" sz="1600"/>
+          </a:p>
+          <a:p>
+            <a:pPr>
+              <a:buFont typeface="Arial" panose="020B0604020202020204" pitchFamily="34" charset="0"/>
+              <a:buChar char="•"/>
+            </a:pPr>
+            <a:endParaRPr lang="az-Latn-AZ" sz="1600"/>
+          </a:p>
+          <a:p>
+            <a:pPr>
+              <a:buFont typeface="Arial" panose="020B0604020202020204" pitchFamily="34" charset="0"/>
+              <a:buChar char="•"/>
+            </a:pPr>
+            <a:endParaRPr lang="en-US" sz="1600"/>
+          </a:p>
+          <a:p>
+            <a:pPr>
+              <a:buNone/>
+            </a:pPr>
+            <a:r>
+              <a:rPr lang="en-US" sz="1600"/>
+              <a:t>📌 </a:t>
+            </a:r>
+            <a:r>
+              <a:rPr lang="en-US" sz="1600" b="1"/>
+              <a:t>Nə üçün istifadə olunur?</a:t>
+            </a:r>
+            <a:endParaRPr lang="en-US" sz="1600"/>
+          </a:p>
+          <a:p>
+            <a:pPr marL="285750" indent="-285750">
+              <a:buFont typeface="Arial" panose="020B0604020202020204" pitchFamily="34" charset="0"/>
+              <a:buChar char="•"/>
+            </a:pPr>
+            <a:r>
+              <a:rPr lang="en-US" sz="1600" b="1"/>
+              <a:t>Test rəhbərləri və layihə menecerləri üçün vacibdir</a:t>
+            </a:r>
+            <a:endParaRPr lang="en-US" sz="1600"/>
+          </a:p>
+          <a:p>
+            <a:pPr marL="285750" indent="-285750">
+              <a:buFont typeface="Arial" panose="020B0604020202020204" pitchFamily="34" charset="0"/>
+              <a:buChar char="•"/>
+            </a:pPr>
+            <a:r>
+              <a:rPr lang="en-US" sz="1600"/>
+              <a:t>Hansı test planlarının </a:t>
+            </a:r>
+            <a:r>
+              <a:rPr lang="en-US" sz="1600" b="1"/>
+              <a:t>gecikdiyini və ya uğursuz olduğunu</a:t>
+            </a:r>
+            <a:r>
+              <a:rPr lang="en-US" sz="1600"/>
+              <a:t> görmək üçün</a:t>
+            </a:r>
+          </a:p>
+        </p:txBody>
+      </p:sp>
+      <p:pic>
+        <p:nvPicPr>
+          <p:cNvPr id="2" name="Picture 1">
+            <a:extLst>
+              <a:ext uri="{FF2B5EF4-FFF2-40B4-BE49-F238E27FC236}">
+                <a16:creationId xmlns:a16="http://schemas.microsoft.com/office/drawing/2014/main" id="{BADCB5FD-AE7E-5DC9-DE8F-7FB275616CC9}"/>
+              </a:ext>
+            </a:extLst>
+          </p:cNvPr>
+          <p:cNvPicPr>
+            <a:picLocks noChangeAspect="1"/>
+          </p:cNvPicPr>
+          <p:nvPr/>
+        </p:nvPicPr>
+        <p:blipFill>
+          <a:blip r:embed="rId3">
+            <a:extLst>
+              <a:ext uri="{28A0092B-C50C-407E-A947-70E740481C1C}">
+                <a14:useLocalDpi xmlns:a14="http://schemas.microsoft.com/office/drawing/2010/main" val="0"/>
+              </a:ext>
+            </a:extLst>
+          </a:blip>
+          <a:stretch>
+            <a:fillRect/>
+          </a:stretch>
+        </p:blipFill>
+        <p:spPr>
+          <a:xfrm>
+            <a:off x="5410404" y="3318570"/>
+            <a:ext cx="6781596" cy="3539430"/>
+          </a:xfrm>
+          <a:prstGeom prst="rect">
+            <a:avLst/>
+          </a:prstGeom>
+        </p:spPr>
+      </p:pic>
     </p:spTree>
     <p:extLst>
       <p:ext uri="{BB962C8B-B14F-4D97-AF65-F5344CB8AC3E}">
@@ -7207,7 +8852,7 @@
 </p:sld>
 </file>
 
-<file path=ppt/slides/slide6.xml><?xml version="1.0" encoding="utf-8"?>
+<file path=ppt/slides/slide7.xml><?xml version="1.0" encoding="utf-8"?>
 <p:sld xmlns:a="http://schemas.openxmlformats.org/drawingml/2006/main" xmlns:r="http://schemas.openxmlformats.org/officeDocument/2006/relationships" xmlns:p="http://schemas.openxmlformats.org/presentationml/2006/main">
   <p:cSld>
     <p:spTree>
@@ -7245,7 +8890,7 @@
         <p:spPr>
           <a:xfrm>
             <a:off x="107004" y="158874"/>
-            <a:ext cx="11984477" cy="338554"/>
+            <a:ext cx="11984477" cy="3046988"/>
           </a:xfrm>
           <a:prstGeom prst="rect">
             <a:avLst/>
@@ -7262,12 +8907,181 @@
               <a:buNone/>
             </a:pPr>
             <a:r>
+              <a:rPr lang="ru-RU" sz="1600"/>
+              <a:t>5️⃣ </a:t>
+            </a:r>
+            <a:r>
+              <a:rPr lang="ru-RU" sz="1600" b="1"/>
+              <a:t>Прогоны (</a:t>
+            </a:r>
+            <a:r>
+              <a:rPr lang="en-US" sz="1600" b="1"/>
+              <a:t>Test Run-lar)</a:t>
+            </a:r>
+            <a:endParaRPr lang="en-US" sz="1600"/>
+          </a:p>
+          <a:p>
+            <a:pPr marL="285750" indent="-285750">
+              <a:buFont typeface="Arial" panose="020B0604020202020204" pitchFamily="34" charset="0"/>
+              <a:buChar char="•"/>
+            </a:pPr>
+            <a:r>
+              <a:rPr lang="en-US" sz="1600" b="1"/>
+              <a:t>Mövcud və tamamlanmış test run-ların siyahısını</a:t>
+            </a:r>
+            <a:r>
               <a:rPr lang="en-US" sz="1600"/>
-              <a:t>.</a:t>
-            </a:r>
-          </a:p>
-        </p:txBody>
-      </p:sp>
+              <a:t> göstərir</a:t>
+            </a:r>
+          </a:p>
+          <a:p>
+            <a:pPr marL="285750" indent="-285750">
+              <a:buFont typeface="Arial" panose="020B0604020202020204" pitchFamily="34" charset="0"/>
+              <a:buChar char="•"/>
+            </a:pPr>
+            <a:r>
+              <a:rPr lang="en-US" sz="1600"/>
+              <a:t>Hər test run üçün nəticələri göstərir:</a:t>
+            </a:r>
+            <a:br>
+              <a:rPr lang="en-US" sz="1600"/>
+            </a:br>
+            <a:r>
+              <a:rPr lang="en-US" sz="1600"/>
+              <a:t>✅ Neçə test keçib</a:t>
+            </a:r>
+            <a:br>
+              <a:rPr lang="en-US" sz="1600"/>
+            </a:br>
+            <a:r>
+              <a:rPr lang="en-US" sz="1600"/>
+              <a:t>❌ Neçə test fail olub</a:t>
+            </a:r>
+            <a:br>
+              <a:rPr lang="en-US" sz="1600"/>
+            </a:br>
+            <a:r>
+              <a:rPr lang="en-US" sz="1600"/>
+              <a:t>⏳ Neçə test bloklanıb</a:t>
+            </a:r>
+          </a:p>
+          <a:p>
+            <a:pPr marL="285750" indent="-285750">
+              <a:buFont typeface="Arial" panose="020B0604020202020204" pitchFamily="34" charset="0"/>
+              <a:buChar char="•"/>
+            </a:pPr>
+            <a:r>
+              <a:rPr lang="en-US" sz="1600"/>
+              <a:t>Hər test run-un </a:t>
+            </a:r>
+            <a:r>
+              <a:rPr lang="en-US" sz="1600" b="1"/>
+              <a:t>proqresini və statistikalarını analiz etməyə</a:t>
+            </a:r>
+            <a:r>
+              <a:rPr lang="en-US" sz="1600"/>
+              <a:t> imkan verir</a:t>
+            </a:r>
+            <a:endParaRPr lang="az-Latn-AZ" sz="1600"/>
+          </a:p>
+          <a:p>
+            <a:pPr>
+              <a:buFont typeface="Arial" panose="020B0604020202020204" pitchFamily="34" charset="0"/>
+              <a:buChar char="•"/>
+            </a:pPr>
+            <a:endParaRPr lang="az-Latn-AZ" sz="1600"/>
+          </a:p>
+          <a:p>
+            <a:endParaRPr lang="en-US" sz="1600"/>
+          </a:p>
+          <a:p>
+            <a:pPr>
+              <a:buNone/>
+            </a:pPr>
+            <a:r>
+              <a:rPr lang="en-US" sz="1600"/>
+              <a:t>📌 </a:t>
+            </a:r>
+            <a:r>
+              <a:rPr lang="en-US" sz="1600" b="1"/>
+              <a:t>Nə üçün istifadə olunur?</a:t>
+            </a:r>
+            <a:endParaRPr lang="en-US" sz="1600"/>
+          </a:p>
+          <a:p>
+            <a:pPr marL="285750" indent="-285750">
+              <a:buFont typeface="Arial" panose="020B0604020202020204" pitchFamily="34" charset="0"/>
+              <a:buChar char="•"/>
+            </a:pPr>
+            <a:r>
+              <a:rPr lang="en-US" sz="1600"/>
+              <a:t>Müxtəlif test ssenarilərinin və sprintlərin </a:t>
+            </a:r>
+            <a:r>
+              <a:rPr lang="en-US" sz="1600" b="1"/>
+              <a:t>test nəticələrini</a:t>
+            </a:r>
+            <a:r>
+              <a:rPr lang="en-US" sz="1600"/>
+              <a:t> analiz etmək üçün</a:t>
+            </a:r>
+          </a:p>
+          <a:p>
+            <a:pPr marL="285750" indent="-285750">
+              <a:buFont typeface="Arial" panose="020B0604020202020204" pitchFamily="34" charset="0"/>
+              <a:buChar char="•"/>
+            </a:pPr>
+            <a:r>
+              <a:rPr lang="en-US" sz="1600"/>
+              <a:t>Hansı </a:t>
+            </a:r>
+            <a:r>
+              <a:rPr lang="en-US" sz="1600" b="1"/>
+              <a:t>test run-ların uğurlu olduğunu və hansılarının problemli olduğunu</a:t>
+            </a:r>
+            <a:r>
+              <a:rPr lang="en-US" sz="1600"/>
+              <a:t> görmək üçün</a:t>
+            </a:r>
+          </a:p>
+        </p:txBody>
+      </p:sp>
+      <p:pic>
+        <p:nvPicPr>
+          <p:cNvPr id="2" name="Picture 1">
+            <a:extLst>
+              <a:ext uri="{FF2B5EF4-FFF2-40B4-BE49-F238E27FC236}">
+                <a16:creationId xmlns:a16="http://schemas.microsoft.com/office/drawing/2014/main" id="{FF5C3B9F-72A0-4DC1-E39B-CBD75F48FF73}"/>
+              </a:ext>
+            </a:extLst>
+          </p:cNvPr>
+          <p:cNvPicPr>
+            <a:picLocks noChangeAspect="1"/>
+          </p:cNvPicPr>
+          <p:nvPr/>
+        </p:nvPicPr>
+        <p:blipFill>
+          <a:blip r:embed="rId3">
+            <a:extLst>
+              <a:ext uri="{28A0092B-C50C-407E-A947-70E740481C1C}">
+                <a14:useLocalDpi xmlns:a14="http://schemas.microsoft.com/office/drawing/2010/main" val="0"/>
+              </a:ext>
+            </a:extLst>
+          </a:blip>
+          <a:stretch>
+            <a:fillRect/>
+          </a:stretch>
+        </p:blipFill>
+        <p:spPr>
+          <a:xfrm>
+            <a:off x="5410404" y="3318570"/>
+            <a:ext cx="6781596" cy="3539430"/>
+          </a:xfrm>
+          <a:prstGeom prst="rect">
+            <a:avLst/>
+          </a:prstGeom>
+        </p:spPr>
+      </p:pic>
     </p:spTree>
     <p:extLst>
       <p:ext uri="{BB962C8B-B14F-4D97-AF65-F5344CB8AC3E}">
@@ -7281,7 +9095,7 @@
 </p:sld>
 </file>
 
-<file path=ppt/slides/slide7.xml><?xml version="1.0" encoding="utf-8"?>
+<file path=ppt/slides/slide8.xml><?xml version="1.0" encoding="utf-8"?>
 <p:sld xmlns:a="http://schemas.openxmlformats.org/drawingml/2006/main" xmlns:r="http://schemas.openxmlformats.org/officeDocument/2006/relationships" xmlns:p="http://schemas.openxmlformats.org/presentationml/2006/main">
   <p:cSld>
     <p:spTree>
@@ -7319,7 +9133,7 @@
         <p:spPr>
           <a:xfrm>
             <a:off x="107004" y="158874"/>
-            <a:ext cx="11984477" cy="338554"/>
+            <a:ext cx="11984477" cy="3323987"/>
           </a:xfrm>
           <a:prstGeom prst="rect">
             <a:avLst/>
@@ -7336,12 +9150,308 @@
               <a:buNone/>
             </a:pPr>
             <a:r>
-              <a:rPr lang="en-US" sz="1600"/>
-              <a:t>.</a:t>
-            </a:r>
-          </a:p>
-        </p:txBody>
-      </p:sp>
+              <a:rPr lang="ru-RU" sz="1400"/>
+              <a:t>6️⃣ </a:t>
+            </a:r>
+            <a:r>
+              <a:rPr lang="ru-RU" sz="1400" b="1"/>
+              <a:t>Команда (</a:t>
+            </a:r>
+            <a:r>
+              <a:rPr lang="en-US" sz="1400" b="1"/>
+              <a:t>Komanda)</a:t>
+            </a:r>
+            <a:endParaRPr lang="en-US" sz="1400"/>
+          </a:p>
+          <a:p>
+            <a:pPr marL="285750" indent="-285750">
+              <a:buFont typeface="Arial" panose="020B0604020202020204" pitchFamily="34" charset="0"/>
+              <a:buChar char="•"/>
+            </a:pPr>
+            <a:r>
+              <a:rPr lang="en-US" sz="1400" b="1"/>
+              <a:t>Komanda üzvlərinin test prosesinə töhfələrini</a:t>
+            </a:r>
+            <a:r>
+              <a:rPr lang="en-US" sz="1400"/>
+              <a:t> göstərir</a:t>
+            </a:r>
+          </a:p>
+          <a:p>
+            <a:pPr marL="285750" indent="-285750">
+              <a:buFont typeface="Arial" panose="020B0604020202020204" pitchFamily="34" charset="0"/>
+              <a:buChar char="•"/>
+            </a:pPr>
+            <a:r>
+              <a:rPr lang="en-US" sz="1400"/>
+              <a:t>Hər test mühəndisinin </a:t>
+            </a:r>
+            <a:r>
+              <a:rPr lang="en-US" sz="1400" b="1"/>
+              <a:t>neçə test icra etdiyini, neçə test keçdiyini və ya fail etdiyini</a:t>
+            </a:r>
+            <a:r>
+              <a:rPr lang="en-US" sz="1400"/>
+              <a:t> göstərir</a:t>
+            </a:r>
+          </a:p>
+          <a:p>
+            <a:pPr marL="285750" indent="-285750">
+              <a:buFont typeface="Arial" panose="020B0604020202020204" pitchFamily="34" charset="0"/>
+              <a:buChar char="•"/>
+            </a:pPr>
+            <a:r>
+              <a:rPr lang="en-US" sz="1400"/>
+              <a:t>Komanda üzvlərinin </a:t>
+            </a:r>
+            <a:r>
+              <a:rPr lang="en-US" sz="1400" b="1"/>
+              <a:t>test icra etmə sürətini və effektivliyini</a:t>
+            </a:r>
+            <a:r>
+              <a:rPr lang="en-US" sz="1400"/>
+              <a:t> analiz etməyə imkan verir</a:t>
+            </a:r>
+            <a:endParaRPr lang="az-Latn-AZ" sz="1400"/>
+          </a:p>
+          <a:p>
+            <a:pPr>
+              <a:buFont typeface="Arial" panose="020B0604020202020204" pitchFamily="34" charset="0"/>
+              <a:buChar char="•"/>
+            </a:pPr>
+            <a:endParaRPr lang="en-US" sz="1400"/>
+          </a:p>
+          <a:p>
+            <a:pPr>
+              <a:buNone/>
+            </a:pPr>
+            <a:r>
+              <a:rPr lang="en-US" sz="1400"/>
+              <a:t>📌 </a:t>
+            </a:r>
+            <a:r>
+              <a:rPr lang="en-US" sz="1400" b="1"/>
+              <a:t>Nə üçün istifadə olunur?</a:t>
+            </a:r>
+            <a:endParaRPr lang="en-US" sz="1400"/>
+          </a:p>
+          <a:p>
+            <a:pPr marL="285750" indent="-285750">
+              <a:buFont typeface="Arial" panose="020B0604020202020204" pitchFamily="34" charset="0"/>
+              <a:buChar char="•"/>
+            </a:pPr>
+            <a:r>
+              <a:rPr lang="en-US" sz="1400" b="1"/>
+              <a:t>Komandanın iş yükünü izləmək</a:t>
+            </a:r>
+            <a:r>
+              <a:rPr lang="en-US" sz="1400"/>
+              <a:t> və hər kəsin nə qədər iş gördüyünü analiz etmək üçün</a:t>
+            </a:r>
+          </a:p>
+          <a:p>
+            <a:pPr marL="285750" indent="-285750">
+              <a:buFont typeface="Arial" panose="020B0604020202020204" pitchFamily="34" charset="0"/>
+              <a:buChar char="•"/>
+            </a:pPr>
+            <a:r>
+              <a:rPr lang="en-US" sz="1400" b="1"/>
+              <a:t>Hansı komanda üzvlərinin daha çox və ya daha az test icra etdiyini</a:t>
+            </a:r>
+            <a:r>
+              <a:rPr lang="en-US" sz="1400"/>
+              <a:t> müəyyən etmək üçün</a:t>
+            </a:r>
+            <a:endParaRPr lang="az-Latn-AZ" sz="1400"/>
+          </a:p>
+          <a:p>
+            <a:pPr marL="285750" indent="-285750">
+              <a:buFont typeface="Arial" panose="020B0604020202020204" pitchFamily="34" charset="0"/>
+              <a:buChar char="•"/>
+            </a:pPr>
+            <a:endParaRPr lang="az-Latn-AZ" sz="1400"/>
+          </a:p>
+          <a:p>
+            <a:pPr>
+              <a:buNone/>
+            </a:pPr>
+            <a:r>
+              <a:rPr lang="en-US" sz="1400" b="1"/>
+              <a:t>🎯 Hansı vidjeti seçmək lazımdır?</a:t>
+            </a:r>
+          </a:p>
+          <a:p>
+            <a:r>
+              <a:rPr lang="en-US" sz="1400"/>
+              <a:t>✅ Əgər </a:t>
+            </a:r>
+            <a:r>
+              <a:rPr lang="en-US" sz="1400" b="1"/>
+              <a:t>testlərin ümumi vəziyyətini görmək istəyirsənsə</a:t>
+            </a:r>
+            <a:r>
+              <a:rPr lang="en-US" sz="1400"/>
+              <a:t>, </a:t>
+            </a:r>
+            <a:r>
+              <a:rPr lang="en-US" sz="1400" b="1"/>
+              <a:t>"</a:t>
+            </a:r>
+            <a:r>
+              <a:rPr lang="ru-RU" sz="1400" b="1"/>
+              <a:t>Результаты тестов"</a:t>
+            </a:r>
+            <a:r>
+              <a:rPr lang="ru-RU" sz="1400"/>
+              <a:t> </a:t>
+            </a:r>
+            <a:r>
+              <a:rPr lang="en-US" sz="1400"/>
+              <a:t>vidjetini seç</a:t>
+            </a:r>
+            <a:br>
+              <a:rPr lang="en-US" sz="1400"/>
+            </a:br>
+            <a:r>
+              <a:rPr lang="en-US" sz="1400"/>
+              <a:t>✅ Əgər </a:t>
+            </a:r>
+            <a:r>
+              <a:rPr lang="en-US" sz="1400" b="1"/>
+              <a:t>testlərin hansı mərhələdə olduğunu izləmək istəyirsənsə</a:t>
+            </a:r>
+            <a:r>
+              <a:rPr lang="en-US" sz="1400"/>
+              <a:t>, </a:t>
+            </a:r>
+            <a:r>
+              <a:rPr lang="en-US" sz="1400" b="1"/>
+              <a:t>"</a:t>
+            </a:r>
+            <a:r>
+              <a:rPr lang="ru-RU" sz="1400" b="1"/>
+              <a:t>Тесты" </a:t>
+            </a:r>
+            <a:r>
+              <a:rPr lang="en-US" sz="1400" b="1"/>
+              <a:t>və "</a:t>
+            </a:r>
+            <a:r>
+              <a:rPr lang="ru-RU" sz="1400" b="1"/>
+              <a:t>Прогоны"</a:t>
+            </a:r>
+            <a:r>
+              <a:rPr lang="ru-RU" sz="1400"/>
+              <a:t> </a:t>
+            </a:r>
+            <a:r>
+              <a:rPr lang="en-US" sz="1400"/>
+              <a:t>vidjetləri uyğun olacaq</a:t>
+            </a:r>
+            <a:br>
+              <a:rPr lang="en-US" sz="1400"/>
+            </a:br>
+            <a:r>
+              <a:rPr lang="en-US" sz="1400"/>
+              <a:t>✅ Əgər </a:t>
+            </a:r>
+            <a:r>
+              <a:rPr lang="en-US" sz="1400" b="1"/>
+              <a:t>avtomatik testlərə fokuslanmaq istəyirsənsə</a:t>
+            </a:r>
+            <a:r>
+              <a:rPr lang="en-US" sz="1400"/>
+              <a:t>, </a:t>
+            </a:r>
+            <a:r>
+              <a:rPr lang="en-US" sz="1400" b="1"/>
+              <a:t>"</a:t>
+            </a:r>
+            <a:r>
+              <a:rPr lang="ru-RU" sz="1400" b="1"/>
+              <a:t>Автотесты"</a:t>
+            </a:r>
+            <a:r>
+              <a:rPr lang="ru-RU" sz="1400"/>
+              <a:t> </a:t>
+            </a:r>
+            <a:r>
+              <a:rPr lang="en-US" sz="1400"/>
+              <a:t>vidjetini istifadə et</a:t>
+            </a:r>
+            <a:br>
+              <a:rPr lang="en-US" sz="1400"/>
+            </a:br>
+            <a:r>
+              <a:rPr lang="en-US" sz="1400"/>
+              <a:t>✅ Əgər </a:t>
+            </a:r>
+            <a:r>
+              <a:rPr lang="en-US" sz="1400" b="1"/>
+              <a:t>komandanın performansını izləmək istəyirsənsə</a:t>
+            </a:r>
+            <a:r>
+              <a:rPr lang="en-US" sz="1400"/>
+              <a:t>, </a:t>
+            </a:r>
+            <a:r>
+              <a:rPr lang="en-US" sz="1400" b="1"/>
+              <a:t>"</a:t>
+            </a:r>
+            <a:r>
+              <a:rPr lang="ru-RU" sz="1400" b="1"/>
+              <a:t>Команда"</a:t>
+            </a:r>
+            <a:r>
+              <a:rPr lang="ru-RU" sz="1400"/>
+              <a:t> </a:t>
+            </a:r>
+            <a:r>
+              <a:rPr lang="en-US" sz="1400"/>
+              <a:t>vidjetini seç</a:t>
+            </a:r>
+          </a:p>
+          <a:p>
+            <a:endParaRPr lang="en-US" sz="1400"/>
+          </a:p>
+        </p:txBody>
+      </p:sp>
+      <p:pic>
+        <p:nvPicPr>
+          <p:cNvPr id="2" name="Picture 1">
+            <a:extLst>
+              <a:ext uri="{FF2B5EF4-FFF2-40B4-BE49-F238E27FC236}">
+                <a16:creationId xmlns:a16="http://schemas.microsoft.com/office/drawing/2014/main" id="{20424A87-93AC-641F-2F7C-92AF2850825C}"/>
+              </a:ext>
+            </a:extLst>
+          </p:cNvPr>
+          <p:cNvPicPr>
+            <a:picLocks noChangeAspect="1"/>
+          </p:cNvPicPr>
+          <p:nvPr/>
+        </p:nvPicPr>
+        <p:blipFill>
+          <a:blip r:embed="rId3">
+            <a:extLst>
+              <a:ext uri="{28A0092B-C50C-407E-A947-70E740481C1C}">
+                <a14:useLocalDpi xmlns:a14="http://schemas.microsoft.com/office/drawing/2010/main" val="0"/>
+              </a:ext>
+            </a:extLst>
+          </a:blip>
+          <a:stretch>
+            <a:fillRect/>
+          </a:stretch>
+        </p:blipFill>
+        <p:spPr>
+          <a:xfrm>
+            <a:off x="5410404" y="3318570"/>
+            <a:ext cx="6781596" cy="3539430"/>
+          </a:xfrm>
+          <a:prstGeom prst="rect">
+            <a:avLst/>
+          </a:prstGeom>
+        </p:spPr>
+      </p:pic>
     </p:spTree>
     <p:extLst>
       <p:ext uri="{BB962C8B-B14F-4D97-AF65-F5344CB8AC3E}">
@@ -7355,7 +9465,7 @@
 </p:sld>
 </file>
 
-<file path=ppt/slides/slide8.xml><?xml version="1.0" encoding="utf-8"?>
+<file path=ppt/slides/slide9.xml><?xml version="1.0" encoding="utf-8"?>
 <p:sld xmlns:a="http://schemas.openxmlformats.org/drawingml/2006/main" xmlns:r="http://schemas.openxmlformats.org/officeDocument/2006/relationships" xmlns:p="http://schemas.openxmlformats.org/presentationml/2006/main">
   <p:cSld>
     <p:spTree>
@@ -7392,7 +9502,7 @@
         </p:nvSpPr>
         <p:spPr>
           <a:xfrm>
-            <a:off x="107004" y="158874"/>
+            <a:off x="103761" y="251926"/>
             <a:ext cx="11984477" cy="338554"/>
           </a:xfrm>
           <a:prstGeom prst="rect">
@@ -7410,90 +9520,66 @@
               <a:buNone/>
             </a:pPr>
             <a:r>
-              <a:rPr lang="en-US" sz="1600"/>
-              <a:t>.</a:t>
-            </a:r>
-          </a:p>
-        </p:txBody>
-      </p:sp>
+              <a:rPr lang="az-Latn-AZ" sz="1600"/>
+              <a:t>Vidjet yaradıldıqdan sonra aşağıdakı kimi görsənəcəkdir.</a:t>
+            </a:r>
+            <a:endParaRPr lang="en-US" sz="1600"/>
+          </a:p>
+        </p:txBody>
+      </p:sp>
+      <p:pic>
+        <p:nvPicPr>
+          <p:cNvPr id="4" name="Picture 3">
+            <a:extLst>
+              <a:ext uri="{FF2B5EF4-FFF2-40B4-BE49-F238E27FC236}">
+                <a16:creationId xmlns:a16="http://schemas.microsoft.com/office/drawing/2014/main" id="{D4E960D8-F488-7AAA-2E6E-1500716478B4}"/>
+              </a:ext>
+            </a:extLst>
+          </p:cNvPr>
+          <p:cNvPicPr>
+            <a:picLocks noChangeAspect="1"/>
+          </p:cNvPicPr>
+          <p:nvPr/>
+        </p:nvPicPr>
+        <p:blipFill>
+          <a:blip r:embed="rId3">
+            <a:extLst>
+              <a:ext uri="{28A0092B-C50C-407E-A947-70E740481C1C}">
+                <a14:useLocalDpi xmlns:a14="http://schemas.microsoft.com/office/drawing/2010/main" val="0"/>
+              </a:ext>
+            </a:extLst>
+          </a:blip>
+          <a:srcRect b="12883"/>
+          <a:stretch/>
+        </p:blipFill>
+        <p:spPr>
+          <a:xfrm>
+            <a:off x="0" y="1305844"/>
+            <a:ext cx="12192000" cy="5552156"/>
+          </a:xfrm>
+          <a:prstGeom prst="rect">
+            <a:avLst/>
+          </a:prstGeom>
+          <a:ln w="38100" cap="sq">
+            <a:solidFill>
+              <a:srgbClr val="000000"/>
+            </a:solidFill>
+            <a:prstDash val="solid"/>
+            <a:miter lim="800000"/>
+          </a:ln>
+          <a:effectLst>
+            <a:outerShdw blurRad="50800" dist="38100" dir="2700000" algn="tl" rotWithShape="0">
+              <a:srgbClr val="000000">
+                <a:alpha val="43000"/>
+              </a:srgbClr>
+            </a:outerShdw>
+          </a:effectLst>
+        </p:spPr>
+      </p:pic>
     </p:spTree>
     <p:extLst>
       <p:ext uri="{BB962C8B-B14F-4D97-AF65-F5344CB8AC3E}">
         <p14:creationId xmlns:p14="http://schemas.microsoft.com/office/powerpoint/2010/main" val="1760330351"/>
-      </p:ext>
-    </p:extLst>
-  </p:cSld>
-  <p:clrMapOvr>
-    <a:masterClrMapping/>
-  </p:clrMapOvr>
-</p:sld>
-</file>
-
-<file path=ppt/slides/slide9.xml><?xml version="1.0" encoding="utf-8"?>
-<p:sld xmlns:a="http://schemas.openxmlformats.org/drawingml/2006/main" xmlns:r="http://schemas.openxmlformats.org/officeDocument/2006/relationships" xmlns:p="http://schemas.openxmlformats.org/presentationml/2006/main">
-  <p:cSld>
-    <p:spTree>
-      <p:nvGrpSpPr>
-        <p:cNvPr id="1" name="">
-          <a:extLst>
-            <a:ext uri="{FF2B5EF4-FFF2-40B4-BE49-F238E27FC236}">
-              <a16:creationId xmlns:a16="http://schemas.microsoft.com/office/drawing/2014/main" id="{DA4EBA38-02AD-103E-153E-B222795507BC}"/>
-            </a:ext>
-          </a:extLst>
-        </p:cNvPr>
-        <p:cNvGrpSpPr/>
-        <p:nvPr/>
-      </p:nvGrpSpPr>
-      <p:grpSpPr>
-        <a:xfrm>
-          <a:off x="0" y="0"/>
-          <a:ext cx="0" cy="0"/>
-          <a:chOff x="0" y="0"/>
-          <a:chExt cx="0" cy="0"/>
-        </a:xfrm>
-      </p:grpSpPr>
-      <p:sp>
-        <p:nvSpPr>
-          <p:cNvPr id="3" name="TextBox 2">
-            <a:extLst>
-              <a:ext uri="{FF2B5EF4-FFF2-40B4-BE49-F238E27FC236}">
-                <a16:creationId xmlns:a16="http://schemas.microsoft.com/office/drawing/2014/main" id="{4F413AC5-675F-42EB-63AD-2E07FB1CA07B}"/>
-              </a:ext>
-            </a:extLst>
-          </p:cNvPr>
-          <p:cNvSpPr txBox="1"/>
-          <p:nvPr/>
-        </p:nvSpPr>
-        <p:spPr>
-          <a:xfrm>
-            <a:off x="107004" y="158874"/>
-            <a:ext cx="11984477" cy="338554"/>
-          </a:xfrm>
-          <a:prstGeom prst="rect">
-            <a:avLst/>
-          </a:prstGeom>
-          <a:noFill/>
-        </p:spPr>
-        <p:txBody>
-          <a:bodyPr wrap="square">
-            <a:spAutoFit/>
-          </a:bodyPr>
-          <a:lstStyle/>
-          <a:p>
-            <a:pPr>
-              <a:buNone/>
-            </a:pPr>
-            <a:r>
-              <a:rPr lang="en-US" sz="1600"/>
-              <a:t>.</a:t>
-            </a:r>
-          </a:p>
-        </p:txBody>
-      </p:sp>
-    </p:spTree>
-    <p:extLst>
-      <p:ext uri="{BB962C8B-B14F-4D97-AF65-F5344CB8AC3E}">
-        <p14:creationId xmlns:p14="http://schemas.microsoft.com/office/powerpoint/2010/main" val="2051594611"/>
       </p:ext>
     </p:extLst>
   </p:cSld>
